--- a/jsp/JSP_Servlet_강의_10강_JSP 본격적으로 살펴보기-II.pptx
+++ b/jsp/JSP_Servlet_강의_10강_JSP 본격적으로 살펴보기-II.pptx
@@ -5,17 +5,18 @@
     <p:sldMasterId id="2147483648" r:id="rId1"/>
   </p:sldMasterIdLst>
   <p:notesMasterIdLst>
-    <p:notesMasterId r:id="rId10"/>
+    <p:notesMasterId r:id="rId11"/>
   </p:notesMasterIdLst>
   <p:sldIdLst>
     <p:sldId id="288" r:id="rId2"/>
     <p:sldId id="280" r:id="rId3"/>
-    <p:sldId id="281" r:id="rId4"/>
-    <p:sldId id="282" r:id="rId5"/>
-    <p:sldId id="283" r:id="rId6"/>
-    <p:sldId id="284" r:id="rId7"/>
-    <p:sldId id="285" r:id="rId8"/>
-    <p:sldId id="286" r:id="rId9"/>
+    <p:sldId id="289" r:id="rId4"/>
+    <p:sldId id="281" r:id="rId5"/>
+    <p:sldId id="282" r:id="rId6"/>
+    <p:sldId id="283" r:id="rId7"/>
+    <p:sldId id="284" r:id="rId8"/>
+    <p:sldId id="285" r:id="rId9"/>
+    <p:sldId id="286" r:id="rId10"/>
   </p:sldIdLst>
   <p:sldSz cx="12192000" cy="6858000"/>
   <p:notesSz cx="6858000" cy="9144000"/>
@@ -216,7 +217,7 @@
             <a:fld id="{1EBA1ADC-3FB7-40DA-B2DE-355D9B030C78}" type="datetimeFigureOut">
               <a:rPr lang="ko-KR" altLang="en-US" smtClean="0"/>
               <a:pPr/>
-              <a:t>2021-11-04</a:t>
+              <a:t>2022-02-09</a:t>
             </a:fld>
             <a:endParaRPr lang="ko-KR" altLang="en-US"/>
           </a:p>
@@ -280,38 +281,37 @@
           <a:p>
             <a:pPr lvl="0"/>
             <a:r>
-              <a:rPr lang="ko-KR" altLang="en-US" smtClean="0"/>
+              <a:rPr lang="ko-KR" altLang="en-US"/>
               <a:t>마스터 텍스트 스타일을 편집합니다</a:t>
             </a:r>
           </a:p>
           <a:p>
             <a:pPr lvl="1"/>
             <a:r>
-              <a:rPr lang="ko-KR" altLang="en-US" smtClean="0"/>
+              <a:rPr lang="ko-KR" altLang="en-US"/>
               <a:t>둘째 수준</a:t>
             </a:r>
           </a:p>
           <a:p>
             <a:pPr lvl="2"/>
             <a:r>
-              <a:rPr lang="ko-KR" altLang="en-US" smtClean="0"/>
+              <a:rPr lang="ko-KR" altLang="en-US"/>
               <a:t>셋째 수준</a:t>
             </a:r>
           </a:p>
           <a:p>
             <a:pPr lvl="3"/>
             <a:r>
-              <a:rPr lang="ko-KR" altLang="en-US" smtClean="0"/>
+              <a:rPr lang="ko-KR" altLang="en-US"/>
               <a:t>넷째 수준</a:t>
             </a:r>
           </a:p>
           <a:p>
             <a:pPr lvl="4"/>
             <a:r>
-              <a:rPr lang="ko-KR" altLang="en-US" smtClean="0"/>
+              <a:rPr lang="ko-KR" altLang="en-US"/>
               <a:t>다섯째 수준</a:t>
             </a:r>
-            <a:endParaRPr lang="ko-KR" altLang="en-US"/>
           </a:p>
         </p:txBody>
       </p:sp>
@@ -527,10 +527,9 @@
           </a:lstStyle>
           <a:p>
             <a:r>
-              <a:rPr lang="ko-KR" altLang="en-US" smtClean="0"/>
+              <a:rPr lang="ko-KR" altLang="en-US"/>
               <a:t>마스터 제목 스타일 편집</a:t>
             </a:r>
-            <a:endParaRPr lang="ko-KR" altLang="en-US"/>
           </a:p>
         </p:txBody>
       </p:sp>
@@ -592,10 +591,9 @@
           </a:lstStyle>
           <a:p>
             <a:r>
-              <a:rPr lang="ko-KR" altLang="en-US" smtClean="0"/>
+              <a:rPr lang="ko-KR" altLang="en-US"/>
               <a:t>마스터 부제목 스타일 편집</a:t>
             </a:r>
-            <a:endParaRPr lang="ko-KR" altLang="en-US"/>
           </a:p>
         </p:txBody>
       </p:sp>
@@ -617,7 +615,7 @@
             <a:fld id="{245FE9EB-5882-4F14-9D7A-E43319FAAE5D}" type="datetime1">
               <a:rPr lang="ko-KR" altLang="en-US" smtClean="0"/>
               <a:pPr/>
-              <a:t>2021-11-04</a:t>
+              <a:t>2022-02-09</a:t>
             </a:fld>
             <a:endParaRPr lang="ko-KR" altLang="en-US"/>
           </a:p>
@@ -721,10 +719,9 @@
           </a:lstStyle>
           <a:p>
             <a:r>
-              <a:rPr lang="ko-KR" altLang="en-US" smtClean="0"/>
+              <a:rPr lang="ko-KR" altLang="en-US"/>
               <a:t>마스터 제목 스타일 편집</a:t>
             </a:r>
-            <a:endParaRPr lang="ko-KR" altLang="en-US"/>
           </a:p>
         </p:txBody>
       </p:sp>
@@ -848,7 +845,7 @@
           <a:p>
             <a:pPr lvl="0"/>
             <a:r>
-              <a:rPr lang="ko-KR" altLang="en-US" smtClean="0"/>
+              <a:rPr lang="ko-KR" altLang="en-US"/>
               <a:t>마스터 텍스트 스타일을 편집합니다</a:t>
             </a:r>
           </a:p>
@@ -872,7 +869,7 @@
             <a:fld id="{148E5BE4-290A-4A67-9142-8569AAC90C2F}" type="datetime1">
               <a:rPr lang="ko-KR" altLang="en-US" smtClean="0"/>
               <a:pPr/>
-              <a:t>2021-11-04</a:t>
+              <a:t>2022-02-09</a:t>
             </a:fld>
             <a:endParaRPr lang="ko-KR" altLang="en-US"/>
           </a:p>
@@ -967,10 +964,9 @@
           <a:lstStyle/>
           <a:p>
             <a:r>
-              <a:rPr lang="ko-KR" altLang="en-US" smtClean="0"/>
+              <a:rPr lang="ko-KR" altLang="en-US"/>
               <a:t>마스터 제목 스타일 편집</a:t>
             </a:r>
-            <a:endParaRPr lang="ko-KR" altLang="en-US"/>
           </a:p>
         </p:txBody>
       </p:sp>
@@ -991,38 +987,37 @@
           <a:p>
             <a:pPr lvl="0"/>
             <a:r>
-              <a:rPr lang="ko-KR" altLang="en-US" smtClean="0"/>
+              <a:rPr lang="ko-KR" altLang="en-US"/>
               <a:t>마스터 텍스트 스타일을 편집합니다</a:t>
             </a:r>
           </a:p>
           <a:p>
             <a:pPr lvl="1"/>
             <a:r>
-              <a:rPr lang="ko-KR" altLang="en-US" smtClean="0"/>
+              <a:rPr lang="ko-KR" altLang="en-US"/>
               <a:t>둘째 수준</a:t>
             </a:r>
           </a:p>
           <a:p>
             <a:pPr lvl="2"/>
             <a:r>
-              <a:rPr lang="ko-KR" altLang="en-US" smtClean="0"/>
+              <a:rPr lang="ko-KR" altLang="en-US"/>
               <a:t>셋째 수준</a:t>
             </a:r>
           </a:p>
           <a:p>
             <a:pPr lvl="3"/>
             <a:r>
-              <a:rPr lang="ko-KR" altLang="en-US" smtClean="0"/>
+              <a:rPr lang="ko-KR" altLang="en-US"/>
               <a:t>넷째 수준</a:t>
             </a:r>
           </a:p>
           <a:p>
             <a:pPr lvl="4"/>
             <a:r>
-              <a:rPr lang="ko-KR" altLang="en-US" smtClean="0"/>
+              <a:rPr lang="ko-KR" altLang="en-US"/>
               <a:t>다섯째 수준</a:t>
             </a:r>
-            <a:endParaRPr lang="ko-KR" altLang="en-US"/>
           </a:p>
         </p:txBody>
       </p:sp>
@@ -1044,7 +1039,7 @@
             <a:fld id="{AABD7AA9-974F-41EE-AA93-9A7D5FC26AF0}" type="datetime1">
               <a:rPr lang="ko-KR" altLang="en-US" smtClean="0"/>
               <a:pPr/>
-              <a:t>2021-11-04</a:t>
+              <a:t>2022-02-09</a:t>
             </a:fld>
             <a:endParaRPr lang="ko-KR" altLang="en-US"/>
           </a:p>
@@ -1144,10 +1139,9 @@
           <a:lstStyle/>
           <a:p>
             <a:r>
-              <a:rPr lang="ko-KR" altLang="en-US" smtClean="0"/>
+              <a:rPr lang="ko-KR" altLang="en-US"/>
               <a:t>마스터 제목 스타일 편집</a:t>
             </a:r>
-            <a:endParaRPr lang="ko-KR" altLang="en-US"/>
           </a:p>
         </p:txBody>
       </p:sp>
@@ -1173,38 +1167,37 @@
           <a:p>
             <a:pPr lvl="0"/>
             <a:r>
-              <a:rPr lang="ko-KR" altLang="en-US" smtClean="0"/>
+              <a:rPr lang="ko-KR" altLang="en-US"/>
               <a:t>마스터 텍스트 스타일을 편집합니다</a:t>
             </a:r>
           </a:p>
           <a:p>
             <a:pPr lvl="1"/>
             <a:r>
-              <a:rPr lang="ko-KR" altLang="en-US" smtClean="0"/>
+              <a:rPr lang="ko-KR" altLang="en-US"/>
               <a:t>둘째 수준</a:t>
             </a:r>
           </a:p>
           <a:p>
             <a:pPr lvl="2"/>
             <a:r>
-              <a:rPr lang="ko-KR" altLang="en-US" smtClean="0"/>
+              <a:rPr lang="ko-KR" altLang="en-US"/>
               <a:t>셋째 수준</a:t>
             </a:r>
           </a:p>
           <a:p>
             <a:pPr lvl="3"/>
             <a:r>
-              <a:rPr lang="ko-KR" altLang="en-US" smtClean="0"/>
+              <a:rPr lang="ko-KR" altLang="en-US"/>
               <a:t>넷째 수준</a:t>
             </a:r>
           </a:p>
           <a:p>
             <a:pPr lvl="4"/>
             <a:r>
-              <a:rPr lang="ko-KR" altLang="en-US" smtClean="0"/>
+              <a:rPr lang="ko-KR" altLang="en-US"/>
               <a:t>다섯째 수준</a:t>
             </a:r>
-            <a:endParaRPr lang="ko-KR" altLang="en-US"/>
           </a:p>
         </p:txBody>
       </p:sp>
@@ -1226,7 +1219,7 @@
             <a:fld id="{CA6778F7-13A7-47A7-A538-4854C83EAB76}" type="datetime1">
               <a:rPr lang="ko-KR" altLang="en-US" smtClean="0"/>
               <a:pPr/>
-              <a:t>2021-11-04</a:t>
+              <a:t>2022-02-09</a:t>
             </a:fld>
             <a:endParaRPr lang="ko-KR" altLang="en-US"/>
           </a:p>
@@ -1321,10 +1314,9 @@
           <a:lstStyle/>
           <a:p>
             <a:r>
-              <a:rPr lang="ko-KR" altLang="en-US" smtClean="0"/>
+              <a:rPr lang="ko-KR" altLang="en-US"/>
               <a:t>마스터 제목 스타일 편집</a:t>
             </a:r>
-            <a:endParaRPr lang="ko-KR" altLang="en-US"/>
           </a:p>
         </p:txBody>
       </p:sp>
@@ -1345,38 +1337,37 @@
           <a:p>
             <a:pPr lvl="0"/>
             <a:r>
-              <a:rPr lang="ko-KR" altLang="en-US" smtClean="0"/>
+              <a:rPr lang="ko-KR" altLang="en-US"/>
               <a:t>마스터 텍스트 스타일을 편집합니다</a:t>
             </a:r>
           </a:p>
           <a:p>
             <a:pPr lvl="1"/>
             <a:r>
-              <a:rPr lang="ko-KR" altLang="en-US" smtClean="0"/>
+              <a:rPr lang="ko-KR" altLang="en-US"/>
               <a:t>둘째 수준</a:t>
             </a:r>
           </a:p>
           <a:p>
             <a:pPr lvl="2"/>
             <a:r>
-              <a:rPr lang="ko-KR" altLang="en-US" smtClean="0"/>
+              <a:rPr lang="ko-KR" altLang="en-US"/>
               <a:t>셋째 수준</a:t>
             </a:r>
           </a:p>
           <a:p>
             <a:pPr lvl="3"/>
             <a:r>
-              <a:rPr lang="ko-KR" altLang="en-US" smtClean="0"/>
+              <a:rPr lang="ko-KR" altLang="en-US"/>
               <a:t>넷째 수준</a:t>
             </a:r>
           </a:p>
           <a:p>
             <a:pPr lvl="4"/>
             <a:r>
-              <a:rPr lang="ko-KR" altLang="en-US" smtClean="0"/>
+              <a:rPr lang="ko-KR" altLang="en-US"/>
               <a:t>다섯째 수준</a:t>
             </a:r>
-            <a:endParaRPr lang="ko-KR" altLang="en-US"/>
           </a:p>
         </p:txBody>
       </p:sp>
@@ -1398,7 +1389,7 @@
             <a:fld id="{97E9BB34-6711-40F2-9C7B-47A61743D4AD}" type="datetime1">
               <a:rPr lang="ko-KR" altLang="en-US" smtClean="0"/>
               <a:pPr/>
-              <a:t>2021-11-04</a:t>
+              <a:t>2022-02-09</a:t>
             </a:fld>
             <a:endParaRPr lang="ko-KR" altLang="en-US"/>
           </a:p>
@@ -1502,10 +1493,9 @@
           </a:lstStyle>
           <a:p>
             <a:r>
-              <a:rPr lang="ko-KR" altLang="en-US" smtClean="0"/>
+              <a:rPr lang="ko-KR" altLang="en-US"/>
               <a:t>마스터 제목 스타일 편집</a:t>
             </a:r>
-            <a:endParaRPr lang="ko-KR" altLang="en-US"/>
           </a:p>
         </p:txBody>
       </p:sp>
@@ -1622,7 +1612,7 @@
           <a:p>
             <a:pPr lvl="0"/>
             <a:r>
-              <a:rPr lang="ko-KR" altLang="en-US" smtClean="0"/>
+              <a:rPr lang="ko-KR" altLang="en-US"/>
               <a:t>마스터 텍스트 스타일을 편집합니다</a:t>
             </a:r>
           </a:p>
@@ -1646,7 +1636,7 @@
             <a:fld id="{01BE0FF5-5FAF-43AE-9E0C-CC3EA1B81862}" type="datetime1">
               <a:rPr lang="ko-KR" altLang="en-US" smtClean="0"/>
               <a:pPr/>
-              <a:t>2021-11-04</a:t>
+              <a:t>2022-02-09</a:t>
             </a:fld>
             <a:endParaRPr lang="ko-KR" altLang="en-US"/>
           </a:p>
@@ -1741,10 +1731,9 @@
           <a:lstStyle/>
           <a:p>
             <a:r>
-              <a:rPr lang="ko-KR" altLang="en-US" smtClean="0"/>
+              <a:rPr lang="ko-KR" altLang="en-US"/>
               <a:t>마스터 제목 스타일 편집</a:t>
             </a:r>
-            <a:endParaRPr lang="ko-KR" altLang="en-US"/>
           </a:p>
         </p:txBody>
       </p:sp>
@@ -1770,38 +1759,37 @@
           <a:p>
             <a:pPr lvl="0"/>
             <a:r>
-              <a:rPr lang="ko-KR" altLang="en-US" smtClean="0"/>
+              <a:rPr lang="ko-KR" altLang="en-US"/>
               <a:t>마스터 텍스트 스타일을 편집합니다</a:t>
             </a:r>
           </a:p>
           <a:p>
             <a:pPr lvl="1"/>
             <a:r>
-              <a:rPr lang="ko-KR" altLang="en-US" smtClean="0"/>
+              <a:rPr lang="ko-KR" altLang="en-US"/>
               <a:t>둘째 수준</a:t>
             </a:r>
           </a:p>
           <a:p>
             <a:pPr lvl="2"/>
             <a:r>
-              <a:rPr lang="ko-KR" altLang="en-US" smtClean="0"/>
+              <a:rPr lang="ko-KR" altLang="en-US"/>
               <a:t>셋째 수준</a:t>
             </a:r>
           </a:p>
           <a:p>
             <a:pPr lvl="3"/>
             <a:r>
-              <a:rPr lang="ko-KR" altLang="en-US" smtClean="0"/>
+              <a:rPr lang="ko-KR" altLang="en-US"/>
               <a:t>넷째 수준</a:t>
             </a:r>
           </a:p>
           <a:p>
             <a:pPr lvl="4"/>
             <a:r>
-              <a:rPr lang="ko-KR" altLang="en-US" smtClean="0"/>
+              <a:rPr lang="ko-KR" altLang="en-US"/>
               <a:t>다섯째 수준</a:t>
             </a:r>
-            <a:endParaRPr lang="ko-KR" altLang="en-US"/>
           </a:p>
         </p:txBody>
       </p:sp>
@@ -1827,38 +1815,37 @@
           <a:p>
             <a:pPr lvl="0"/>
             <a:r>
-              <a:rPr lang="ko-KR" altLang="en-US" smtClean="0"/>
+              <a:rPr lang="ko-KR" altLang="en-US"/>
               <a:t>마스터 텍스트 스타일을 편집합니다</a:t>
             </a:r>
           </a:p>
           <a:p>
             <a:pPr lvl="1"/>
             <a:r>
-              <a:rPr lang="ko-KR" altLang="en-US" smtClean="0"/>
+              <a:rPr lang="ko-KR" altLang="en-US"/>
               <a:t>둘째 수준</a:t>
             </a:r>
           </a:p>
           <a:p>
             <a:pPr lvl="2"/>
             <a:r>
-              <a:rPr lang="ko-KR" altLang="en-US" smtClean="0"/>
+              <a:rPr lang="ko-KR" altLang="en-US"/>
               <a:t>셋째 수준</a:t>
             </a:r>
           </a:p>
           <a:p>
             <a:pPr lvl="3"/>
             <a:r>
-              <a:rPr lang="ko-KR" altLang="en-US" smtClean="0"/>
+              <a:rPr lang="ko-KR" altLang="en-US"/>
               <a:t>넷째 수준</a:t>
             </a:r>
           </a:p>
           <a:p>
             <a:pPr lvl="4"/>
             <a:r>
-              <a:rPr lang="ko-KR" altLang="en-US" smtClean="0"/>
+              <a:rPr lang="ko-KR" altLang="en-US"/>
               <a:t>다섯째 수준</a:t>
             </a:r>
-            <a:endParaRPr lang="ko-KR" altLang="en-US"/>
           </a:p>
         </p:txBody>
       </p:sp>
@@ -1880,7 +1867,7 @@
             <a:fld id="{DAF9AB40-AB99-4455-AC5A-01B404C2C00C}" type="datetime1">
               <a:rPr lang="ko-KR" altLang="en-US" smtClean="0"/>
               <a:pPr/>
-              <a:t>2021-11-04</a:t>
+              <a:t>2022-02-09</a:t>
             </a:fld>
             <a:endParaRPr lang="ko-KR" altLang="en-US"/>
           </a:p>
@@ -1980,10 +1967,9 @@
           <a:lstStyle/>
           <a:p>
             <a:r>
-              <a:rPr lang="ko-KR" altLang="en-US" smtClean="0"/>
+              <a:rPr lang="ko-KR" altLang="en-US"/>
               <a:t>마스터 제목 스타일 편집</a:t>
             </a:r>
-            <a:endParaRPr lang="ko-KR" altLang="en-US"/>
           </a:p>
         </p:txBody>
       </p:sp>
@@ -2046,7 +2032,7 @@
           <a:p>
             <a:pPr lvl="0"/>
             <a:r>
-              <a:rPr lang="ko-KR" altLang="en-US" smtClean="0"/>
+              <a:rPr lang="ko-KR" altLang="en-US"/>
               <a:t>마스터 텍스트 스타일을 편집합니다</a:t>
             </a:r>
           </a:p>
@@ -2074,38 +2060,37 @@
           <a:p>
             <a:pPr lvl="0"/>
             <a:r>
-              <a:rPr lang="ko-KR" altLang="en-US" smtClean="0"/>
+              <a:rPr lang="ko-KR" altLang="en-US"/>
               <a:t>마스터 텍스트 스타일을 편집합니다</a:t>
             </a:r>
           </a:p>
           <a:p>
             <a:pPr lvl="1"/>
             <a:r>
-              <a:rPr lang="ko-KR" altLang="en-US" smtClean="0"/>
+              <a:rPr lang="ko-KR" altLang="en-US"/>
               <a:t>둘째 수준</a:t>
             </a:r>
           </a:p>
           <a:p>
             <a:pPr lvl="2"/>
             <a:r>
-              <a:rPr lang="ko-KR" altLang="en-US" smtClean="0"/>
+              <a:rPr lang="ko-KR" altLang="en-US"/>
               <a:t>셋째 수준</a:t>
             </a:r>
           </a:p>
           <a:p>
             <a:pPr lvl="3"/>
             <a:r>
-              <a:rPr lang="ko-KR" altLang="en-US" smtClean="0"/>
+              <a:rPr lang="ko-KR" altLang="en-US"/>
               <a:t>넷째 수준</a:t>
             </a:r>
           </a:p>
           <a:p>
             <a:pPr lvl="4"/>
             <a:r>
-              <a:rPr lang="ko-KR" altLang="en-US" smtClean="0"/>
+              <a:rPr lang="ko-KR" altLang="en-US"/>
               <a:t>다섯째 수준</a:t>
             </a:r>
-            <a:endParaRPr lang="ko-KR" altLang="en-US"/>
           </a:p>
         </p:txBody>
       </p:sp>
@@ -2168,7 +2153,7 @@
           <a:p>
             <a:pPr lvl="0"/>
             <a:r>
-              <a:rPr lang="ko-KR" altLang="en-US" smtClean="0"/>
+              <a:rPr lang="ko-KR" altLang="en-US"/>
               <a:t>마스터 텍스트 스타일을 편집합니다</a:t>
             </a:r>
           </a:p>
@@ -2196,38 +2181,37 @@
           <a:p>
             <a:pPr lvl="0"/>
             <a:r>
-              <a:rPr lang="ko-KR" altLang="en-US" smtClean="0"/>
+              <a:rPr lang="ko-KR" altLang="en-US"/>
               <a:t>마스터 텍스트 스타일을 편집합니다</a:t>
             </a:r>
           </a:p>
           <a:p>
             <a:pPr lvl="1"/>
             <a:r>
-              <a:rPr lang="ko-KR" altLang="en-US" smtClean="0"/>
+              <a:rPr lang="ko-KR" altLang="en-US"/>
               <a:t>둘째 수준</a:t>
             </a:r>
           </a:p>
           <a:p>
             <a:pPr lvl="2"/>
             <a:r>
-              <a:rPr lang="ko-KR" altLang="en-US" smtClean="0"/>
+              <a:rPr lang="ko-KR" altLang="en-US"/>
               <a:t>셋째 수준</a:t>
             </a:r>
           </a:p>
           <a:p>
             <a:pPr lvl="3"/>
             <a:r>
-              <a:rPr lang="ko-KR" altLang="en-US" smtClean="0"/>
+              <a:rPr lang="ko-KR" altLang="en-US"/>
               <a:t>넷째 수준</a:t>
             </a:r>
           </a:p>
           <a:p>
             <a:pPr lvl="4"/>
             <a:r>
-              <a:rPr lang="ko-KR" altLang="en-US" smtClean="0"/>
+              <a:rPr lang="ko-KR" altLang="en-US"/>
               <a:t>다섯째 수준</a:t>
             </a:r>
-            <a:endParaRPr lang="ko-KR" altLang="en-US"/>
           </a:p>
         </p:txBody>
       </p:sp>
@@ -2249,7 +2233,7 @@
             <a:fld id="{0E3C0ECE-794B-4B99-8E02-3BB1152032F2}" type="datetime1">
               <a:rPr lang="ko-KR" altLang="en-US" smtClean="0"/>
               <a:pPr/>
-              <a:t>2021-11-04</a:t>
+              <a:t>2022-02-09</a:t>
             </a:fld>
             <a:endParaRPr lang="ko-KR" altLang="en-US"/>
           </a:p>
@@ -2344,10 +2328,9 @@
           <a:lstStyle/>
           <a:p>
             <a:r>
-              <a:rPr lang="ko-KR" altLang="en-US" smtClean="0"/>
+              <a:rPr lang="ko-KR" altLang="en-US"/>
               <a:t>마스터 제목 스타일 편집</a:t>
             </a:r>
-            <a:endParaRPr lang="ko-KR" altLang="en-US"/>
           </a:p>
         </p:txBody>
       </p:sp>
@@ -2369,7 +2352,7 @@
             <a:fld id="{0F75503B-EE7A-4049-8A0E-70C0A8C6708E}" type="datetime1">
               <a:rPr lang="ko-KR" altLang="en-US" smtClean="0"/>
               <a:pPr/>
-              <a:t>2021-11-04</a:t>
+              <a:t>2022-02-09</a:t>
             </a:fld>
             <a:endParaRPr lang="ko-KR" altLang="en-US"/>
           </a:p>
@@ -2787,13 +2770,6 @@
   <p:clrMapOvr>
     <a:masterClrMapping/>
   </p:clrMapOvr>
-  <p:timing>
-    <p:tnLst>
-      <p:par>
-        <p:cTn id="1" dur="indefinite" restart="never" nodeType="tmRoot"/>
-      </p:par>
-    </p:tnLst>
-  </p:timing>
 </p:sldLayout>
 </file>
 
@@ -2894,7 +2870,7 @@
           <a:p>
             <a:pPr algn="r"/>
             <a:r>
-              <a:rPr lang="en-US" altLang="ko-KR" sz="1600" kern="1200" dirty="0" smtClean="0">
+              <a:rPr lang="en-US" altLang="ko-KR" sz="1600" kern="1200" dirty="0">
                 <a:solidFill>
                   <a:schemeClr val="tx1"/>
                 </a:solidFill>
@@ -2906,7 +2882,7 @@
               <a:t>10</a:t>
             </a:r>
             <a:r>
-              <a:rPr lang="ko-KR" altLang="en-US" sz="1600" kern="1200" dirty="0" smtClean="0">
+              <a:rPr lang="ko-KR" altLang="en-US" sz="1600" kern="1200" dirty="0">
                 <a:solidFill>
                   <a:schemeClr val="tx1"/>
                 </a:solidFill>
@@ -2918,7 +2894,7 @@
               <a:t>강</a:t>
             </a:r>
             <a:r>
-              <a:rPr lang="en-US" altLang="ko-KR" sz="1600" kern="1200" dirty="0" smtClean="0">
+              <a:rPr lang="en-US" altLang="ko-KR" sz="1600" kern="1200" dirty="0">
                 <a:solidFill>
                   <a:schemeClr val="tx1"/>
                 </a:solidFill>
@@ -2930,7 +2906,7 @@
               <a:t>.</a:t>
             </a:r>
             <a:r>
-              <a:rPr lang="en-US" altLang="ko-KR" sz="1600" kern="1200" baseline="0" dirty="0" smtClean="0">
+              <a:rPr lang="en-US" altLang="ko-KR" sz="1600" kern="1200" baseline="0" dirty="0">
                 <a:solidFill>
                   <a:schemeClr val="tx1"/>
                 </a:solidFill>
@@ -2942,7 +2918,7 @@
               <a:t> JSP </a:t>
             </a:r>
             <a:r>
-              <a:rPr lang="ko-KR" altLang="en-US" sz="1600" kern="1200" baseline="0" dirty="0" smtClean="0">
+              <a:rPr lang="ko-KR" altLang="en-US" sz="1600" kern="1200" baseline="0" dirty="0">
                 <a:solidFill>
                   <a:schemeClr val="tx1"/>
                 </a:solidFill>
@@ -2954,7 +2930,7 @@
               <a:t>본격적으로 살펴보기</a:t>
             </a:r>
             <a:r>
-              <a:rPr lang="en-US" altLang="ko-KR" sz="1600" kern="1200" baseline="0" dirty="0" smtClean="0">
+              <a:rPr lang="en-US" altLang="ko-KR" sz="1600" kern="1200" baseline="0" dirty="0">
                 <a:solidFill>
                   <a:schemeClr val="tx1"/>
                 </a:solidFill>
@@ -3083,7 +3059,7 @@
             <a:fld id="{9E6BA691-BC9B-4A68-9744-1B809170C141}" type="datetime1">
               <a:rPr lang="ko-KR" altLang="en-US" smtClean="0"/>
               <a:pPr/>
-              <a:t>2021-11-04</a:t>
+              <a:t>2022-02-09</a:t>
             </a:fld>
             <a:endParaRPr lang="ko-KR" altLang="en-US"/>
           </a:p>
@@ -3152,13 +3128,6 @@
   <p:clrMapOvr>
     <a:masterClrMapping/>
   </p:clrMapOvr>
-  <p:timing>
-    <p:tnLst>
-      <p:par>
-        <p:cTn id="1" dur="indefinite" restart="never" nodeType="tmRoot"/>
-      </p:par>
-    </p:tnLst>
-  </p:timing>
 </p:sldLayout>
 </file>
 
@@ -3204,10 +3173,9 @@
           </a:lstStyle>
           <a:p>
             <a:r>
-              <a:rPr lang="ko-KR" altLang="en-US" smtClean="0"/>
+              <a:rPr lang="ko-KR" altLang="en-US"/>
               <a:t>마스터 제목 스타일 편집</a:t>
             </a:r>
-            <a:endParaRPr lang="ko-KR" altLang="en-US"/>
           </a:p>
         </p:txBody>
       </p:sp>
@@ -3261,38 +3229,37 @@
           <a:p>
             <a:pPr lvl="0"/>
             <a:r>
-              <a:rPr lang="ko-KR" altLang="en-US" smtClean="0"/>
+              <a:rPr lang="ko-KR" altLang="en-US"/>
               <a:t>마스터 텍스트 스타일을 편집합니다</a:t>
             </a:r>
           </a:p>
           <a:p>
             <a:pPr lvl="1"/>
             <a:r>
-              <a:rPr lang="ko-KR" altLang="en-US" smtClean="0"/>
+              <a:rPr lang="ko-KR" altLang="en-US"/>
               <a:t>둘째 수준</a:t>
             </a:r>
           </a:p>
           <a:p>
             <a:pPr lvl="2"/>
             <a:r>
-              <a:rPr lang="ko-KR" altLang="en-US" smtClean="0"/>
+              <a:rPr lang="ko-KR" altLang="en-US"/>
               <a:t>셋째 수준</a:t>
             </a:r>
           </a:p>
           <a:p>
             <a:pPr lvl="3"/>
             <a:r>
-              <a:rPr lang="ko-KR" altLang="en-US" smtClean="0"/>
+              <a:rPr lang="ko-KR" altLang="en-US"/>
               <a:t>넷째 수준</a:t>
             </a:r>
           </a:p>
           <a:p>
             <a:pPr lvl="4"/>
             <a:r>
-              <a:rPr lang="ko-KR" altLang="en-US" smtClean="0"/>
+              <a:rPr lang="ko-KR" altLang="en-US"/>
               <a:t>다섯째 수준</a:t>
             </a:r>
-            <a:endParaRPr lang="ko-KR" altLang="en-US"/>
           </a:p>
         </p:txBody>
       </p:sp>
@@ -3355,7 +3322,7 @@
           <a:p>
             <a:pPr lvl="0"/>
             <a:r>
-              <a:rPr lang="ko-KR" altLang="en-US" smtClean="0"/>
+              <a:rPr lang="ko-KR" altLang="en-US"/>
               <a:t>마스터 텍스트 스타일을 편집합니다</a:t>
             </a:r>
           </a:p>
@@ -3379,7 +3346,7 @@
             <a:fld id="{BB5D5985-9155-4A4F-A545-EFF2E5BDFE10}" type="datetime1">
               <a:rPr lang="ko-KR" altLang="en-US" smtClean="0"/>
               <a:pPr/>
-              <a:t>2021-11-04</a:t>
+              <a:t>2022-02-09</a:t>
             </a:fld>
             <a:endParaRPr lang="ko-KR" altLang="en-US"/>
           </a:p>
@@ -3438,13 +3405,6 @@
   <p:clrMapOvr>
     <a:masterClrMapping/>
   </p:clrMapOvr>
-  <p:timing>
-    <p:tnLst>
-      <p:par>
-        <p:cTn id="1" dur="indefinite" restart="never" nodeType="tmRoot"/>
-      </p:par>
-    </p:tnLst>
-  </p:timing>
 </p:sldLayout>
 </file>
 
@@ -3496,10 +3456,9 @@
           <a:lstStyle/>
           <a:p>
             <a:r>
-              <a:rPr lang="ko-KR" altLang="en-US" smtClean="0"/>
+              <a:rPr lang="ko-KR" altLang="en-US"/>
               <a:t>마스터 제목 스타일 편집</a:t>
             </a:r>
-            <a:endParaRPr lang="ko-KR" altLang="en-US"/>
           </a:p>
         </p:txBody>
       </p:sp>
@@ -3530,38 +3489,37 @@
           <a:p>
             <a:pPr lvl="0"/>
             <a:r>
-              <a:rPr lang="ko-KR" altLang="en-US" smtClean="0"/>
+              <a:rPr lang="ko-KR" altLang="en-US"/>
               <a:t>마스터 텍스트 스타일을 편집합니다</a:t>
             </a:r>
           </a:p>
           <a:p>
             <a:pPr lvl="1"/>
             <a:r>
-              <a:rPr lang="ko-KR" altLang="en-US" smtClean="0"/>
+              <a:rPr lang="ko-KR" altLang="en-US"/>
               <a:t>둘째 수준</a:t>
             </a:r>
           </a:p>
           <a:p>
             <a:pPr lvl="2"/>
             <a:r>
-              <a:rPr lang="ko-KR" altLang="en-US" smtClean="0"/>
+              <a:rPr lang="ko-KR" altLang="en-US"/>
               <a:t>셋째 수준</a:t>
             </a:r>
           </a:p>
           <a:p>
             <a:pPr lvl="3"/>
             <a:r>
-              <a:rPr lang="ko-KR" altLang="en-US" smtClean="0"/>
+              <a:rPr lang="ko-KR" altLang="en-US"/>
               <a:t>넷째 수준</a:t>
             </a:r>
           </a:p>
           <a:p>
             <a:pPr lvl="4"/>
             <a:r>
-              <a:rPr lang="ko-KR" altLang="en-US" smtClean="0"/>
+              <a:rPr lang="ko-KR" altLang="en-US"/>
               <a:t>다섯째 수준</a:t>
             </a:r>
-            <a:endParaRPr lang="ko-KR" altLang="en-US"/>
           </a:p>
         </p:txBody>
       </p:sp>
@@ -3601,7 +3559,7 @@
             <a:fld id="{F5078468-8E36-4528-8629-5ECE6BEC95B9}" type="datetime1">
               <a:rPr lang="ko-KR" altLang="en-US" smtClean="0"/>
               <a:pPr/>
-              <a:t>2021-11-04</a:t>
+              <a:t>2022-02-09</a:t>
             </a:fld>
             <a:endParaRPr lang="ko-KR" altLang="en-US"/>
           </a:p>
@@ -3708,13 +3666,6 @@
     <p:sldLayoutId id="2147483658" r:id="rId11"/>
     <p:sldLayoutId id="2147483659" r:id="rId12"/>
   </p:sldLayoutIdLst>
-  <p:timing>
-    <p:tnLst>
-      <p:par>
-        <p:cTn id="1" dur="indefinite" restart="never" nodeType="tmRoot"/>
-      </p:par>
-    </p:tnLst>
-  </p:timing>
   <p:hf hdr="0" ftr="0" dt="0"/>
   <p:txStyles>
     <p:titleStyle>
@@ -4039,7 +3990,7 @@
           <a:lstStyle/>
           <a:p>
             <a:r>
-              <a:rPr lang="en-US" altLang="ko-KR" sz="2000" spc="-150" dirty="0" smtClean="0">
+              <a:rPr lang="en-US" altLang="ko-KR" sz="2000" spc="-150" dirty="0">
                 <a:solidFill>
                   <a:srgbClr val="0070C0"/>
                 </a:solidFill>
@@ -4047,26 +3998,6 @@
                 <a:ea typeface="+mj-ea"/>
               </a:rPr>
               <a:t>10</a:t>
-            </a:r>
-            <a:r>
-              <a:rPr lang="ko-KR" altLang="en-US" sz="2000" spc="-150" dirty="0" smtClean="0">
-                <a:solidFill>
-                  <a:srgbClr val="0070C0"/>
-                </a:solidFill>
-                <a:latin typeface="+mj-ea"/>
-                <a:ea typeface="+mj-ea"/>
-              </a:rPr>
-              <a:t>강</a:t>
-            </a:r>
-            <a:r>
-              <a:rPr lang="en-US" altLang="ko-KR" sz="2000" spc="-150" dirty="0" smtClean="0">
-                <a:solidFill>
-                  <a:srgbClr val="0070C0"/>
-                </a:solidFill>
-                <a:latin typeface="+mj-ea"/>
-                <a:ea typeface="+mj-ea"/>
-              </a:rPr>
-              <a:t>. JSP </a:t>
             </a:r>
             <a:r>
               <a:rPr lang="ko-KR" altLang="en-US" sz="2000" spc="-150" dirty="0">
@@ -4076,20 +4007,30 @@
                 <a:latin typeface="+mj-ea"/>
                 <a:ea typeface="+mj-ea"/>
               </a:rPr>
-              <a:t>본격적으로 </a:t>
-            </a:r>
-            <a:r>
-              <a:rPr lang="ko-KR" altLang="en-US" sz="2000" spc="-150" dirty="0" smtClean="0">
+              <a:t>강</a:t>
+            </a:r>
+            <a:r>
+              <a:rPr lang="en-US" altLang="ko-KR" sz="2000" spc="-150" dirty="0">
                 <a:solidFill>
                   <a:srgbClr val="0070C0"/>
                 </a:solidFill>
                 <a:latin typeface="+mj-ea"/>
                 <a:ea typeface="+mj-ea"/>
               </a:rPr>
-              <a:t>살펴보기</a:t>
-            </a:r>
-            <a:r>
-              <a:rPr lang="en-US" altLang="ko-KR" sz="2000" spc="-150" dirty="0" smtClean="0">
+              <a:t>. JSP </a:t>
+            </a:r>
+            <a:r>
+              <a:rPr lang="ko-KR" altLang="en-US" sz="2000" spc="-150" dirty="0">
+                <a:solidFill>
+                  <a:srgbClr val="0070C0"/>
+                </a:solidFill>
+                <a:latin typeface="+mj-ea"/>
+                <a:ea typeface="+mj-ea"/>
+              </a:rPr>
+              <a:t>본격적으로 살펴보기</a:t>
+            </a:r>
+            <a:r>
+              <a:rPr lang="en-US" altLang="ko-KR" sz="2000" spc="-150" dirty="0">
                 <a:solidFill>
                   <a:srgbClr val="0070C0"/>
                 </a:solidFill>
@@ -4159,7 +4100,7 @@
               <a:t>, </a:t>
             </a:r>
             <a:r>
-              <a:rPr lang="ko-KR" altLang="en-US" sz="1200" dirty="0" smtClean="0">
+              <a:rPr lang="ko-KR" altLang="en-US" sz="1200" dirty="0">
                 <a:solidFill>
                   <a:schemeClr val="tx1">
                     <a:lumMod val="65000"/>
@@ -4171,7 +4112,7 @@
               <a:t>선언</a:t>
             </a:r>
             <a:r>
-              <a:rPr lang="en-US" altLang="ko-KR" sz="1200" dirty="0" smtClean="0">
+              <a:rPr lang="en-US" altLang="ko-KR" sz="1200" dirty="0">
                 <a:solidFill>
                   <a:schemeClr val="tx1">
                     <a:lumMod val="65000"/>
@@ -4183,7 +4124,7 @@
               <a:t>, </a:t>
             </a:r>
             <a:r>
-              <a:rPr lang="ko-KR" altLang="en-US" sz="1200" dirty="0" err="1" smtClean="0">
+              <a:rPr lang="ko-KR" altLang="en-US" sz="1200" dirty="0" err="1">
                 <a:solidFill>
                   <a:schemeClr val="tx1">
                     <a:lumMod val="65000"/>
@@ -4193,33 +4134,6 @@
                 <a:latin typeface="+mn-ea"/>
               </a:rPr>
               <a:t>표현식</a:t>
-            </a:r>
-            <a:endParaRPr lang="en-US" altLang="ko-KR" sz="1200" dirty="0" smtClean="0">
-              <a:solidFill>
-                <a:schemeClr val="tx1">
-                  <a:lumMod val="65000"/>
-                  <a:lumOff val="35000"/>
-                </a:schemeClr>
-              </a:solidFill>
-              <a:latin typeface="+mn-ea"/>
-            </a:endParaRPr>
-          </a:p>
-          <a:p>
-            <a:pPr marL="171450" indent="-171450">
-              <a:buFontTx/>
-              <a:buChar char="-"/>
-            </a:pPr>
-            <a:r>
-              <a:rPr lang="ko-KR" altLang="en-US" sz="1200" dirty="0" smtClean="0">
-                <a:solidFill>
-                  <a:schemeClr val="tx1">
-                    <a:lumMod val="65000"/>
-                    <a:lumOff val="35000"/>
-                  </a:schemeClr>
-                </a:solidFill>
-                <a:latin typeface="+mn-ea"/>
-              </a:rPr>
-              <a:t>지시자</a:t>
             </a:r>
             <a:endParaRPr lang="en-US" altLang="ko-KR" sz="1200" dirty="0">
               <a:solidFill>
@@ -4237,7 +4151,7 @@
               <a:buChar char="-"/>
             </a:pPr>
             <a:r>
-              <a:rPr lang="ko-KR" altLang="en-US" sz="1200" dirty="0" smtClean="0">
+              <a:rPr lang="ko-KR" altLang="en-US" sz="1200" dirty="0">
                 <a:solidFill>
                   <a:schemeClr val="tx1">
                     <a:lumMod val="65000"/>
@@ -4246,9 +4160,9 @@
                 </a:solidFill>
                 <a:latin typeface="+mn-ea"/>
               </a:rPr>
-              <a:t>주석</a:t>
-            </a:r>
-            <a:endParaRPr lang="ko-KR" altLang="en-US" sz="1200" dirty="0">
+              <a:t>지시자</a:t>
+            </a:r>
+            <a:endParaRPr lang="en-US" altLang="ko-KR" sz="1200" dirty="0">
               <a:solidFill>
                 <a:schemeClr val="tx1">
                   <a:lumMod val="65000"/>
@@ -4257,6 +4171,24 @@
               </a:solidFill>
               <a:latin typeface="+mn-ea"/>
             </a:endParaRPr>
+          </a:p>
+          <a:p>
+            <a:pPr marL="171450" indent="-171450">
+              <a:buFontTx/>
+              <a:buChar char="-"/>
+            </a:pPr>
+            <a:r>
+              <a:rPr lang="ko-KR" altLang="en-US" sz="1200" dirty="0">
+                <a:solidFill>
+                  <a:schemeClr val="tx1">
+                    <a:lumMod val="65000"/>
+                    <a:lumOff val="35000"/>
+                  </a:schemeClr>
+                </a:solidFill>
+                <a:latin typeface="+mn-ea"/>
+              </a:rPr>
+              <a:t>주석</a:t>
+            </a:r>
           </a:p>
         </p:txBody>
       </p:sp>
@@ -4270,13 +4202,6 @@
   <p:clrMapOvr>
     <a:masterClrMapping/>
   </p:clrMapOvr>
-  <p:timing>
-    <p:tnLst>
-      <p:par>
-        <p:cTn id="1" dur="indefinite" restart="never" nodeType="tmRoot"/>
-      </p:par>
-    </p:tnLst>
-  </p:timing>
 </p:sld>
 </file>
 
@@ -4320,7 +4245,7 @@
           <a:lstStyle/>
           <a:p>
             <a:r>
-              <a:rPr lang="en-US" altLang="ko-KR" sz="1600" b="1" kern="1200" dirty="0" smtClean="0">
+              <a:rPr lang="en-US" altLang="ko-KR" sz="1600" b="1" kern="1200" dirty="0">
                 <a:solidFill>
                   <a:schemeClr val="tx1"/>
                 </a:solidFill>
@@ -4331,7 +4256,7 @@
               <a:t>10-1.</a:t>
             </a:r>
             <a:r>
-              <a:rPr lang="en-US" altLang="ko-KR" sz="1600" b="1" kern="1200" baseline="0" dirty="0" smtClean="0">
+              <a:rPr lang="en-US" altLang="ko-KR" sz="1600" b="1" kern="1200" baseline="0" dirty="0">
                 <a:solidFill>
                   <a:schemeClr val="tx1"/>
                 </a:solidFill>
@@ -4463,61 +4388,61 @@
           <a:lstStyle/>
           <a:p>
             <a:r>
-              <a:rPr lang="en-US" altLang="ko-KR" sz="1100" dirty="0" smtClean="0">
+              <a:rPr lang="en-US" altLang="ko-KR" sz="1100" dirty="0">
                 <a:latin typeface="+mn-ea"/>
               </a:rPr>
               <a:t>JSP</a:t>
             </a:r>
             <a:r>
-              <a:rPr lang="ko-KR" altLang="en-US" sz="1100" dirty="0" err="1" smtClean="0">
+              <a:rPr lang="ko-KR" altLang="en-US" sz="1100" dirty="0" err="1">
                 <a:latin typeface="+mn-ea"/>
               </a:rPr>
               <a:t>문서안에</a:t>
             </a:r>
             <a:r>
-              <a:rPr lang="ko-KR" altLang="en-US" sz="1100" dirty="0" smtClean="0">
+              <a:rPr lang="ko-KR" altLang="en-US" sz="1100" dirty="0">
                 <a:latin typeface="+mn-ea"/>
               </a:rPr>
               <a:t> </a:t>
             </a:r>
             <a:r>
-              <a:rPr lang="en-US" altLang="ko-KR" sz="1100" dirty="0" smtClean="0">
+              <a:rPr lang="en-US" altLang="ko-KR" sz="1100" dirty="0">
                 <a:latin typeface="+mn-ea"/>
               </a:rPr>
               <a:t>JAVA</a:t>
             </a:r>
             <a:r>
-              <a:rPr lang="ko-KR" altLang="en-US" sz="1100" dirty="0" smtClean="0">
+              <a:rPr lang="ko-KR" altLang="en-US" sz="1100" dirty="0">
                 <a:latin typeface="+mn-ea"/>
               </a:rPr>
               <a:t>언어를 넣기 위한 방식들 입니다</a:t>
             </a:r>
             <a:r>
-              <a:rPr lang="en-US" altLang="ko-KR" sz="1100" dirty="0" smtClean="0">
+              <a:rPr lang="en-US" altLang="ko-KR" sz="1100" dirty="0">
                 <a:latin typeface="+mn-ea"/>
               </a:rPr>
               <a:t>. </a:t>
             </a:r>
             <a:r>
-              <a:rPr lang="ko-KR" altLang="en-US" sz="1100" dirty="0" smtClean="0">
+              <a:rPr lang="ko-KR" altLang="en-US" sz="1100" dirty="0">
                 <a:latin typeface="+mn-ea"/>
               </a:rPr>
               <a:t>실제 개발에서 많이 쓰이므로</a:t>
             </a:r>
             <a:r>
-              <a:rPr lang="en-US" altLang="ko-KR" sz="1100" dirty="0" smtClean="0">
+              <a:rPr lang="en-US" altLang="ko-KR" sz="1100" dirty="0">
                 <a:latin typeface="+mn-ea"/>
               </a:rPr>
               <a:t> </a:t>
             </a:r>
             <a:r>
-              <a:rPr lang="ko-KR" altLang="en-US" sz="1100" dirty="0" smtClean="0">
+              <a:rPr lang="ko-KR" altLang="en-US" sz="1100" dirty="0">
                 <a:latin typeface="+mn-ea"/>
               </a:rPr>
               <a:t>잘 익혀 둡니다</a:t>
             </a:r>
             <a:r>
-              <a:rPr lang="en-US" altLang="ko-KR" sz="1100" dirty="0" smtClean="0">
+              <a:rPr lang="en-US" altLang="ko-KR" sz="1100" dirty="0">
                 <a:latin typeface="+mn-ea"/>
               </a:rPr>
               <a:t>.</a:t>
@@ -4525,7 +4450,7 @@
           </a:p>
           <a:p>
             <a:r>
-              <a:rPr lang="en-US" altLang="ko-KR" sz="1100" dirty="0" smtClean="0">
+              <a:rPr lang="en-US" altLang="ko-KR" sz="1100" dirty="0">
                 <a:latin typeface="+mn-ea"/>
               </a:rPr>
               <a:t>(jsp_10_1_ex1_tagex)</a:t>
@@ -4556,37 +4481,37 @@
           <a:lstStyle/>
           <a:p>
             <a:r>
-              <a:rPr lang="ko-KR" altLang="en-US" sz="1100" dirty="0" err="1" smtClean="0">
+              <a:rPr lang="ko-KR" altLang="en-US" sz="1100" dirty="0" err="1">
                 <a:latin typeface="+mn-ea"/>
               </a:rPr>
               <a:t>스크립트릿</a:t>
             </a:r>
             <a:r>
-              <a:rPr lang="en-US" altLang="ko-KR" sz="1100" dirty="0" smtClean="0">
+              <a:rPr lang="en-US" altLang="ko-KR" sz="1100" dirty="0">
                 <a:latin typeface="+mn-ea"/>
               </a:rPr>
               <a:t>(</a:t>
             </a:r>
             <a:r>
-              <a:rPr lang="en-US" altLang="ko-KR" sz="1100" dirty="0" err="1" smtClean="0">
+              <a:rPr lang="en-US" altLang="ko-KR" sz="1100" dirty="0" err="1">
                 <a:latin typeface="+mn-ea"/>
               </a:rPr>
               <a:t>scriptlet</a:t>
             </a:r>
             <a:r>
-              <a:rPr lang="en-US" altLang="ko-KR" sz="1100" dirty="0" smtClean="0">
+              <a:rPr lang="en-US" altLang="ko-KR" sz="1100" dirty="0">
                 <a:latin typeface="+mn-ea"/>
               </a:rPr>
               <a:t>) : &lt;%	java </a:t>
             </a:r>
             <a:r>
-              <a:rPr lang="ko-KR" altLang="en-US" sz="1100" dirty="0" smtClean="0">
+              <a:rPr lang="ko-KR" altLang="en-US" sz="1100" dirty="0">
                 <a:latin typeface="+mn-ea"/>
               </a:rPr>
               <a:t>코드 기술   </a:t>
             </a:r>
             <a:r>
-              <a:rPr lang="en-US" altLang="ko-KR" sz="1100" dirty="0" smtClean="0">
+              <a:rPr lang="en-US" altLang="ko-KR" sz="1100" dirty="0">
                 <a:latin typeface="+mn-ea"/>
               </a:rPr>
               <a:t>%&gt;</a:t>
@@ -4655,31 +4580,31 @@
           <a:lstStyle/>
           <a:p>
             <a:r>
-              <a:rPr lang="en-US" altLang="ko-KR" sz="1100" dirty="0" smtClean="0">
+              <a:rPr lang="en-US" altLang="ko-KR" sz="1100" dirty="0">
                 <a:latin typeface="+mn-ea"/>
               </a:rPr>
               <a:t>JSP</a:t>
             </a:r>
             <a:r>
-              <a:rPr lang="ko-KR" altLang="en-US" sz="1100" dirty="0" smtClean="0">
+              <a:rPr lang="ko-KR" altLang="en-US" sz="1100" dirty="0">
                 <a:latin typeface="+mn-ea"/>
               </a:rPr>
               <a:t>페이지에서 </a:t>
             </a:r>
             <a:r>
-              <a:rPr lang="en-US" altLang="ko-KR" sz="1100" dirty="0" smtClean="0">
+              <a:rPr lang="en-US" altLang="ko-KR" sz="1100" dirty="0">
                 <a:latin typeface="+mn-ea"/>
               </a:rPr>
               <a:t>JAVA</a:t>
             </a:r>
             <a:r>
-              <a:rPr lang="ko-KR" altLang="en-US" sz="1100" dirty="0" smtClean="0">
+              <a:rPr lang="ko-KR" altLang="en-US" sz="1100" dirty="0">
                 <a:latin typeface="+mn-ea"/>
               </a:rPr>
               <a:t>언어를 사용하기 위한 요소 중 가장 많이 사용되는 요소 입니다</a:t>
             </a:r>
             <a:r>
-              <a:rPr lang="en-US" altLang="ko-KR" sz="1100" dirty="0" smtClean="0">
+              <a:rPr lang="en-US" altLang="ko-KR" sz="1100" dirty="0">
                 <a:latin typeface="+mn-ea"/>
               </a:rPr>
               <a:t>.</a:t>
@@ -4687,25 +4612,25 @@
           </a:p>
           <a:p>
             <a:r>
-              <a:rPr lang="ko-KR" altLang="en-US" sz="1100" dirty="0" smtClean="0">
+              <a:rPr lang="ko-KR" altLang="en-US" sz="1100" dirty="0">
                 <a:latin typeface="+mn-ea"/>
               </a:rPr>
               <a:t>우리가 알고 있는 거의 모든 </a:t>
             </a:r>
             <a:r>
-              <a:rPr lang="en-US" altLang="ko-KR" sz="1100" dirty="0" smtClean="0">
+              <a:rPr lang="en-US" altLang="ko-KR" sz="1100" dirty="0">
                 <a:latin typeface="+mn-ea"/>
               </a:rPr>
               <a:t>JAVA</a:t>
             </a:r>
             <a:r>
-              <a:rPr lang="ko-KR" altLang="en-US" sz="1100" dirty="0" smtClean="0">
+              <a:rPr lang="ko-KR" altLang="en-US" sz="1100" dirty="0">
                 <a:latin typeface="+mn-ea"/>
               </a:rPr>
               <a:t>코드를 사용할 수 있습니다</a:t>
             </a:r>
             <a:r>
-              <a:rPr lang="en-US" altLang="ko-KR" sz="1100" dirty="0" smtClean="0">
+              <a:rPr lang="en-US" altLang="ko-KR" sz="1100" dirty="0">
                 <a:latin typeface="+mn-ea"/>
               </a:rPr>
               <a:t>.</a:t>
@@ -4795,18 +4720,11 @@
   <p:clrMapOvr>
     <a:masterClrMapping/>
   </p:clrMapOvr>
-  <p:timing>
-    <p:tnLst>
-      <p:par>
-        <p:cTn id="1" dur="indefinite" restart="never" nodeType="tmRoot"/>
-      </p:par>
-    </p:tnLst>
-  </p:timing>
 </p:sld>
 </file>
 
 <file path=ppt/slides/slide3.xml><?xml version="1.0" encoding="utf-8"?>
-<p:sld xmlns:a="http://schemas.openxmlformats.org/drawingml/2006/main" xmlns:r="http://schemas.openxmlformats.org/officeDocument/2006/relationships" xmlns:p="http://schemas.openxmlformats.org/presentationml/2006/main" showMasterSp="0">
+<p:sld xmlns:a="http://schemas.openxmlformats.org/drawingml/2006/main" xmlns:r="http://schemas.openxmlformats.org/officeDocument/2006/relationships" xmlns:p="http://schemas.openxmlformats.org/presentationml/2006/main">
   <p:cSld>
     <p:spTree>
       <p:nvGrpSpPr>
@@ -4824,88 +4742,13 @@
       </p:grpSpPr>
       <p:sp>
         <p:nvSpPr>
-          <p:cNvPr id="2" name="TextBox 1"/>
-          <p:cNvSpPr txBox="1"/>
-          <p:nvPr/>
-        </p:nvSpPr>
-        <p:spPr>
-          <a:xfrm>
-            <a:off x="677008" y="760205"/>
-            <a:ext cx="10676792" cy="338554"/>
-          </a:xfrm>
-          <a:prstGeom prst="rect">
-            <a:avLst/>
-          </a:prstGeom>
-          <a:noFill/>
-        </p:spPr>
-        <p:txBody>
-          <a:bodyPr wrap="square" rtlCol="0">
-            <a:spAutoFit/>
-          </a:bodyPr>
-          <a:lstStyle/>
-          <a:p>
-            <a:r>
-              <a:rPr lang="en-US" altLang="ko-KR" sz="1600" b="1" kern="1200" dirty="0" smtClean="0">
-                <a:solidFill>
-                  <a:schemeClr val="tx1"/>
-                </a:solidFill>
-                <a:effectLst/>
-                <a:latin typeface="+mn-ea"/>
-                <a:ea typeface="+mn-ea"/>
-              </a:rPr>
-              <a:t>10-1.</a:t>
-            </a:r>
-            <a:r>
-              <a:rPr lang="en-US" altLang="ko-KR" sz="1600" b="1" kern="1200" baseline="0" dirty="0" smtClean="0">
-                <a:solidFill>
-                  <a:schemeClr val="tx1"/>
-                </a:solidFill>
-                <a:effectLst/>
-                <a:latin typeface="+mn-ea"/>
-                <a:ea typeface="+mn-ea"/>
-              </a:rPr>
-              <a:t> </a:t>
-            </a:r>
-            <a:r>
-              <a:rPr lang="ko-KR" altLang="en-US" sz="1600" b="1" dirty="0" err="1">
-                <a:latin typeface="+mn-ea"/>
-              </a:rPr>
-              <a:t>스크립트릿</a:t>
-            </a:r>
-            <a:r>
-              <a:rPr lang="en-US" altLang="ko-KR" sz="1600" b="1" dirty="0">
-                <a:latin typeface="+mn-ea"/>
-              </a:rPr>
-              <a:t>, </a:t>
-            </a:r>
-            <a:r>
-              <a:rPr lang="ko-KR" altLang="en-US" sz="1600" b="1" dirty="0">
-                <a:latin typeface="+mn-ea"/>
-              </a:rPr>
-              <a:t>선언</a:t>
-            </a:r>
-            <a:r>
-              <a:rPr lang="en-US" altLang="ko-KR" sz="1600" b="1" dirty="0">
-                <a:latin typeface="+mn-ea"/>
-              </a:rPr>
-              <a:t>, </a:t>
-            </a:r>
-            <a:r>
-              <a:rPr lang="ko-KR" altLang="en-US" sz="1600" b="1" dirty="0" err="1">
-                <a:latin typeface="+mn-ea"/>
-              </a:rPr>
-              <a:t>표현식</a:t>
-            </a:r>
-            <a:endParaRPr lang="ko-KR" altLang="en-US" sz="1600" b="1" dirty="0">
-              <a:latin typeface="+mn-ea"/>
-              <a:ea typeface="+mn-ea"/>
-            </a:endParaRPr>
-          </a:p>
-        </p:txBody>
-      </p:sp>
-      <p:sp>
-        <p:nvSpPr>
-          <p:cNvPr id="3" name="슬라이드 번호 개체 틀 2"/>
+          <p:cNvPr id="2" name="슬라이드 번호 개체 틀 1">
+            <a:extLst>
+              <a:ext uri="{FF2B5EF4-FFF2-40B4-BE49-F238E27FC236}">
+                <a16:creationId xmlns:a16="http://schemas.microsoft.com/office/drawing/2014/main" id="{2AAB7E68-9C0E-4011-886F-7BCC11395C0F}"/>
+              </a:ext>
+            </a:extLst>
+          </p:cNvPr>
           <p:cNvSpPr>
             <a:spLocks noGrp="1"/>
           </p:cNvSpPr>
@@ -4923,58 +4766,26 @@
               <a:pPr/>
               <a:t>3</a:t>
             </a:fld>
-            <a:endParaRPr lang="ko-KR" altLang="en-US" dirty="0"/>
-          </a:p>
-        </p:txBody>
-      </p:sp>
-      <p:cxnSp>
-        <p:nvCxnSpPr>
-          <p:cNvPr id="5" name="직선 연결선 4"/>
-          <p:cNvCxnSpPr/>
-          <p:nvPr/>
-        </p:nvCxnSpPr>
-        <p:spPr>
-          <a:xfrm>
-            <a:off x="677008" y="1107832"/>
-            <a:ext cx="10676792" cy="0"/>
-          </a:xfrm>
-          <a:prstGeom prst="line">
-            <a:avLst/>
-          </a:prstGeom>
-          <a:ln w="12700" cmpd="dbl">
-            <a:solidFill>
-              <a:schemeClr val="tx1">
-                <a:lumMod val="75000"/>
-                <a:lumOff val="25000"/>
-              </a:schemeClr>
-            </a:solidFill>
-          </a:ln>
-        </p:spPr>
-        <p:style>
-          <a:lnRef idx="1">
-            <a:schemeClr val="accent1"/>
-          </a:lnRef>
-          <a:fillRef idx="0">
-            <a:schemeClr val="accent1"/>
-          </a:fillRef>
-          <a:effectRef idx="0">
-            <a:schemeClr val="accent1"/>
-          </a:effectRef>
-          <a:fontRef idx="minor">
-            <a:schemeClr val="tx1"/>
-          </a:fontRef>
-        </p:style>
-      </p:cxnSp>
-      <p:sp>
-        <p:nvSpPr>
-          <p:cNvPr id="20" name="TextBox 19"/>
+            <a:endParaRPr lang="ko-KR" altLang="en-US"/>
+          </a:p>
+        </p:txBody>
+      </p:sp>
+      <p:sp>
+        <p:nvSpPr>
+          <p:cNvPr id="3" name="TextBox 2">
+            <a:extLst>
+              <a:ext uri="{FF2B5EF4-FFF2-40B4-BE49-F238E27FC236}">
+                <a16:creationId xmlns:a16="http://schemas.microsoft.com/office/drawing/2014/main" id="{BCAC411F-A12D-4FC8-89B5-859D399EB639}"/>
+              </a:ext>
+            </a:extLst>
+          </p:cNvPr>
           <p:cNvSpPr txBox="1"/>
           <p:nvPr/>
         </p:nvSpPr>
         <p:spPr>
           <a:xfrm>
-            <a:off x="730798" y="1388157"/>
-            <a:ext cx="10676792" cy="261610"/>
+            <a:off x="1040235" y="1040235"/>
+            <a:ext cx="10159068" cy="1477328"/>
           </a:xfrm>
           <a:prstGeom prst="rect">
             <a:avLst/>
@@ -4988,237 +4799,168 @@
           <a:lstStyle/>
           <a:p>
             <a:r>
-              <a:rPr lang="ko-KR" altLang="en-US" sz="1100" dirty="0" smtClean="0">
-                <a:latin typeface="+mn-ea"/>
-              </a:rPr>
-              <a:t>선언</a:t>
-            </a:r>
-            <a:r>
-              <a:rPr lang="en-US" altLang="ko-KR" sz="1100" dirty="0" smtClean="0">
-                <a:latin typeface="+mn-ea"/>
-              </a:rPr>
-              <a:t>(declaration) : &lt;%!	java </a:t>
-            </a:r>
-            <a:r>
-              <a:rPr lang="ko-KR" altLang="en-US" sz="1100" dirty="0" smtClean="0">
-                <a:latin typeface="+mn-ea"/>
-              </a:rPr>
-              <a:t>코드 기술   </a:t>
-            </a:r>
-            <a:r>
-              <a:rPr lang="en-US" altLang="ko-KR" sz="1100" dirty="0" smtClean="0">
-                <a:latin typeface="+mn-ea"/>
-              </a:rPr>
-              <a:t>%&gt;</a:t>
-            </a:r>
-          </a:p>
-        </p:txBody>
-      </p:sp>
-      <p:cxnSp>
-        <p:nvCxnSpPr>
-          <p:cNvPr id="9" name="직선 연결선 8"/>
-          <p:cNvCxnSpPr/>
-          <p:nvPr/>
-        </p:nvCxnSpPr>
-        <p:spPr>
-          <a:xfrm>
-            <a:off x="730798" y="1654939"/>
-            <a:ext cx="10089604" cy="0"/>
-          </a:xfrm>
-          <a:prstGeom prst="line">
-            <a:avLst/>
-          </a:prstGeom>
-          <a:ln w="12700" cmpd="dbl">
-            <a:solidFill>
-              <a:schemeClr val="tx1">
-                <a:lumMod val="75000"/>
-                <a:lumOff val="25000"/>
-              </a:schemeClr>
-            </a:solidFill>
-          </a:ln>
-        </p:spPr>
-        <p:style>
-          <a:lnRef idx="1">
-            <a:schemeClr val="accent1"/>
-          </a:lnRef>
-          <a:fillRef idx="0">
-            <a:schemeClr val="accent1"/>
-          </a:fillRef>
-          <a:effectRef idx="0">
-            <a:schemeClr val="accent1"/>
-          </a:effectRef>
-          <a:fontRef idx="minor">
-            <a:schemeClr val="tx1"/>
-          </a:fontRef>
-        </p:style>
-      </p:cxnSp>
-      <p:sp>
-        <p:nvSpPr>
-          <p:cNvPr id="12" name="TextBox 11"/>
-          <p:cNvSpPr txBox="1"/>
-          <p:nvPr/>
-        </p:nvSpPr>
-        <p:spPr>
-          <a:xfrm>
-            <a:off x="730798" y="1660112"/>
-            <a:ext cx="10089604" cy="430887"/>
-          </a:xfrm>
-          <a:prstGeom prst="rect">
-            <a:avLst/>
-          </a:prstGeom>
-          <a:noFill/>
-        </p:spPr>
-        <p:txBody>
-          <a:bodyPr wrap="square" rtlCol="0">
-            <a:spAutoFit/>
-          </a:bodyPr>
-          <a:lstStyle/>
-          <a:p>
-            <a:r>
-              <a:rPr lang="en-US" altLang="ko-KR" sz="1100" dirty="0" smtClean="0">
-                <a:latin typeface="+mn-ea"/>
-              </a:rPr>
-              <a:t>JSP</a:t>
-            </a:r>
-            <a:r>
-              <a:rPr lang="ko-KR" altLang="en-US" sz="1100" dirty="0" smtClean="0">
-                <a:latin typeface="+mn-ea"/>
-              </a:rPr>
-              <a:t>페이지 내에서 사용되는 변수 또는 </a:t>
-            </a:r>
-            <a:r>
-              <a:rPr lang="ko-KR" altLang="en-US" sz="1100" dirty="0" err="1" smtClean="0">
-                <a:latin typeface="+mn-ea"/>
-              </a:rPr>
-              <a:t>메소드를</a:t>
-            </a:r>
-            <a:r>
-              <a:rPr lang="ko-KR" altLang="en-US" sz="1100" dirty="0" smtClean="0">
-                <a:latin typeface="+mn-ea"/>
-              </a:rPr>
-              <a:t> 선언할 때 사용 합니다</a:t>
-            </a:r>
-            <a:r>
-              <a:rPr lang="en-US" altLang="ko-KR" sz="1100" dirty="0" smtClean="0">
-                <a:latin typeface="+mn-ea"/>
-              </a:rPr>
-              <a:t>.</a:t>
-            </a:r>
-          </a:p>
-          <a:p>
-            <a:r>
-              <a:rPr lang="ko-KR" altLang="en-US" sz="1100" dirty="0" smtClean="0">
-                <a:latin typeface="+mn-ea"/>
-              </a:rPr>
-              <a:t>여기서 선언된 변수 및 </a:t>
-            </a:r>
-            <a:r>
-              <a:rPr lang="ko-KR" altLang="en-US" sz="1100" dirty="0" err="1" smtClean="0">
-                <a:latin typeface="+mn-ea"/>
-              </a:rPr>
-              <a:t>메소드는</a:t>
-            </a:r>
-            <a:r>
-              <a:rPr lang="ko-KR" altLang="en-US" sz="1100" dirty="0" smtClean="0">
-                <a:latin typeface="+mn-ea"/>
-              </a:rPr>
-              <a:t> 전역의 의미로 </a:t>
-            </a:r>
-            <a:r>
-              <a:rPr lang="ko-KR" altLang="en-US" sz="1100" smtClean="0">
-                <a:latin typeface="+mn-ea"/>
-              </a:rPr>
-              <a:t>사용됩니다</a:t>
-            </a:r>
-            <a:r>
-              <a:rPr lang="en-US" altLang="ko-KR" sz="1100" smtClean="0">
-                <a:latin typeface="+mn-ea"/>
-              </a:rPr>
-              <a:t>.(</a:t>
-            </a:r>
-            <a:r>
-              <a:rPr lang="ko-KR" altLang="en-US" sz="1100" smtClean="0">
-                <a:latin typeface="+mn-ea"/>
-              </a:rPr>
-              <a:t>물론 스크립트릿안에 만들어도 됨</a:t>
-            </a:r>
-            <a:r>
-              <a:rPr lang="en-US" altLang="ko-KR" sz="1100" smtClean="0">
-                <a:latin typeface="+mn-ea"/>
-              </a:rPr>
-              <a:t>)</a:t>
-            </a:r>
-            <a:endParaRPr lang="en-US" altLang="ko-KR" sz="1100" dirty="0" smtClean="0">
-              <a:latin typeface="+mn-ea"/>
-            </a:endParaRPr>
-          </a:p>
-        </p:txBody>
-      </p:sp>
-      <p:pic>
-        <p:nvPicPr>
-          <p:cNvPr id="8" name="그림 7"/>
-          <p:cNvPicPr>
-            <a:picLocks noChangeAspect="1"/>
-          </p:cNvPicPr>
-          <p:nvPr/>
-        </p:nvPicPr>
-        <p:blipFill>
-          <a:blip r:embed="rId2" cstate="print"/>
-          <a:stretch>
-            <a:fillRect/>
-          </a:stretch>
-        </p:blipFill>
-        <p:spPr>
-          <a:xfrm>
-            <a:off x="855947" y="2398825"/>
-            <a:ext cx="3220323" cy="3649699"/>
-          </a:xfrm>
-          <a:prstGeom prst="rect">
-            <a:avLst/>
-          </a:prstGeom>
-        </p:spPr>
-      </p:pic>
-      <p:pic>
-        <p:nvPicPr>
-          <p:cNvPr id="10" name="그림 9"/>
-          <p:cNvPicPr>
-            <a:picLocks noChangeAspect="1"/>
-          </p:cNvPicPr>
-          <p:nvPr/>
-        </p:nvPicPr>
-        <p:blipFill>
-          <a:blip r:embed="rId3" cstate="print"/>
-          <a:stretch>
-            <a:fillRect/>
-          </a:stretch>
-        </p:blipFill>
-        <p:spPr>
-          <a:xfrm>
-            <a:off x="5015922" y="2464303"/>
-            <a:ext cx="3896591" cy="1172914"/>
-          </a:xfrm>
-          <a:prstGeom prst="rect">
-            <a:avLst/>
-          </a:prstGeom>
-        </p:spPr>
-      </p:pic>
+              <a:rPr lang="ko-KR" altLang="en-US" dirty="0" err="1"/>
+              <a:t>스크립트릿은</a:t>
+            </a:r>
+            <a:r>
+              <a:rPr lang="ko-KR" altLang="en-US" dirty="0"/>
+              <a:t> </a:t>
+            </a:r>
+            <a:r>
+              <a:rPr lang="en-US" altLang="ko-KR" dirty="0" err="1"/>
+              <a:t>jsp</a:t>
+            </a:r>
+            <a:r>
+              <a:rPr lang="ko-KR" altLang="en-US" dirty="0"/>
+              <a:t>페이지가 </a:t>
+            </a:r>
+            <a:r>
+              <a:rPr lang="ko-KR" altLang="en-US" dirty="0" err="1"/>
+              <a:t>서브릿으로</a:t>
+            </a:r>
+            <a:r>
+              <a:rPr lang="ko-KR" altLang="en-US" dirty="0"/>
+              <a:t> 변환되고 요청될 때 </a:t>
+            </a:r>
+            <a:r>
+              <a:rPr lang="en-US" altLang="ko-KR" dirty="0" err="1"/>
+              <a:t>jspService</a:t>
+            </a:r>
+            <a:r>
+              <a:rPr lang="en-US" altLang="ko-KR" dirty="0"/>
+              <a:t>()</a:t>
+            </a:r>
+            <a:r>
+              <a:rPr lang="ko-KR" altLang="en-US" dirty="0"/>
+              <a:t>메서드</a:t>
+            </a:r>
+            <a:endParaRPr lang="en-US" altLang="ko-KR" dirty="0"/>
+          </a:p>
+          <a:p>
+            <a:r>
+              <a:rPr lang="en-US" altLang="ko-KR" dirty="0"/>
+              <a:t>&lt;% %&gt; : </a:t>
+            </a:r>
+            <a:r>
+              <a:rPr lang="en-US" altLang="ko-KR" dirty="0" err="1"/>
+              <a:t>scriptlet</a:t>
+            </a:r>
+            <a:endParaRPr lang="en-US" altLang="ko-KR" dirty="0"/>
+          </a:p>
+          <a:p>
+            <a:r>
+              <a:rPr lang="en-US" altLang="ko-KR" dirty="0"/>
+              <a:t>1) </a:t>
+            </a:r>
+            <a:r>
+              <a:rPr lang="ko-KR" altLang="en-US" dirty="0" err="1"/>
+              <a:t>스크립트릿은</a:t>
+            </a:r>
+            <a:r>
+              <a:rPr lang="ko-KR" altLang="en-US" dirty="0"/>
+              <a:t> </a:t>
+            </a:r>
+            <a:r>
+              <a:rPr lang="en-US" altLang="ko-KR" dirty="0" err="1"/>
+              <a:t>jsp</a:t>
+            </a:r>
+            <a:r>
+              <a:rPr lang="en-US" altLang="ko-KR" dirty="0"/>
+              <a:t> </a:t>
+            </a:r>
+            <a:r>
+              <a:rPr lang="ko-KR" altLang="en-US" dirty="0"/>
+              <a:t>파일이 </a:t>
+            </a:r>
+            <a:r>
+              <a:rPr lang="en-US" altLang="ko-KR" dirty="0"/>
+              <a:t>servlet</a:t>
+            </a:r>
+            <a:r>
+              <a:rPr lang="ko-KR" altLang="en-US" dirty="0"/>
+              <a:t>으로 변환될 때</a:t>
+            </a:r>
+            <a:r>
+              <a:rPr lang="en-US" altLang="ko-KR" dirty="0"/>
+              <a:t>, _</a:t>
+            </a:r>
+            <a:r>
+              <a:rPr lang="en-US" altLang="ko-KR" dirty="0" err="1"/>
+              <a:t>jspService</a:t>
+            </a:r>
+            <a:r>
+              <a:rPr lang="en-US" altLang="ko-KR" dirty="0"/>
+              <a:t>() </a:t>
+            </a:r>
+            <a:r>
+              <a:rPr lang="ko-KR" altLang="en-US" dirty="0"/>
+              <a:t>메서드 안에 작성됨</a:t>
+            </a:r>
+          </a:p>
+          <a:p>
+            <a:r>
+              <a:rPr lang="en-US" altLang="ko-KR" dirty="0"/>
+              <a:t>2) </a:t>
+            </a:r>
+            <a:r>
+              <a:rPr lang="ko-KR" altLang="en-US" dirty="0"/>
+              <a:t>메서드 안에 작성되는 내용이므로</a:t>
+            </a:r>
+            <a:r>
+              <a:rPr lang="en-US" altLang="ko-KR" dirty="0"/>
+              <a:t>, </a:t>
+            </a:r>
+            <a:r>
+              <a:rPr lang="ko-KR" altLang="en-US" dirty="0"/>
+              <a:t>지역변수 </a:t>
+            </a:r>
+            <a:r>
+              <a:rPr lang="en-US" altLang="ko-KR" dirty="0"/>
+              <a:t>/ </a:t>
+            </a:r>
+            <a:r>
+              <a:rPr lang="ko-KR" altLang="en-US" dirty="0"/>
+              <a:t>함수 </a:t>
+            </a:r>
+            <a:r>
+              <a:rPr lang="en-US" altLang="ko-KR" dirty="0"/>
+              <a:t>/ </a:t>
+            </a:r>
+            <a:r>
+              <a:rPr lang="ko-KR" altLang="en-US" dirty="0"/>
+              <a:t>메서드 호출만 가능</a:t>
+            </a:r>
+          </a:p>
+          <a:p>
+            <a:r>
+              <a:rPr lang="en-US" altLang="ko-KR" dirty="0"/>
+              <a:t>3) </a:t>
+            </a:r>
+            <a:r>
+              <a:rPr lang="ko-KR" altLang="en-US" dirty="0"/>
+              <a:t>전역변수나 메서드를 선언할 때는 </a:t>
+            </a:r>
+            <a:r>
+              <a:rPr lang="en-US" altLang="ko-KR" dirty="0"/>
+              <a:t>&lt;%! %&gt; declare </a:t>
+            </a:r>
+            <a:r>
+              <a:rPr lang="ko-KR" altLang="en-US" dirty="0"/>
+              <a:t>사용 </a:t>
+            </a:r>
+          </a:p>
+        </p:txBody>
+      </p:sp>
     </p:spTree>
     <p:extLst>
       <p:ext uri="{BB962C8B-B14F-4D97-AF65-F5344CB8AC3E}">
-        <p14:creationId xmlns:p14="http://schemas.microsoft.com/office/powerpoint/2010/main" val="3485412210"/>
+        <p14:creationId xmlns:p14="http://schemas.microsoft.com/office/powerpoint/2010/main" val="529051262"/>
       </p:ext>
     </p:extLst>
   </p:cSld>
   <p:clrMapOvr>
     <a:masterClrMapping/>
   </p:clrMapOvr>
-  <p:timing>
-    <p:tnLst>
-      <p:par>
-        <p:cTn id="1" dur="indefinite" restart="never" nodeType="tmRoot"/>
-      </p:par>
-    </p:tnLst>
-  </p:timing>
 </p:sld>
 </file>
 
@@ -5262,7 +5004,7 @@
           <a:lstStyle/>
           <a:p>
             <a:r>
-              <a:rPr lang="en-US" altLang="ko-KR" sz="1600" b="1" kern="1200" dirty="0" smtClean="0">
+              <a:rPr lang="en-US" altLang="ko-KR" sz="1600" b="1" kern="1200" dirty="0">
                 <a:solidFill>
                   <a:schemeClr val="tx1"/>
                 </a:solidFill>
@@ -5273,7 +5015,7 @@
               <a:t>10-1.</a:t>
             </a:r>
             <a:r>
-              <a:rPr lang="en-US" altLang="ko-KR" sz="1600" b="1" kern="1200" baseline="0" dirty="0" smtClean="0">
+              <a:rPr lang="en-US" altLang="ko-KR" sz="1600" b="1" kern="1200" baseline="0" dirty="0">
                 <a:solidFill>
                   <a:schemeClr val="tx1"/>
                 </a:solidFill>
@@ -5390,7 +5132,7 @@
         </p:nvSpPr>
         <p:spPr>
           <a:xfrm>
-            <a:off x="677008" y="1388157"/>
+            <a:off x="730798" y="1388157"/>
             <a:ext cx="10676792" cy="261610"/>
           </a:xfrm>
           <a:prstGeom prst="rect">
@@ -5405,25 +5147,25 @@
           <a:lstStyle/>
           <a:p>
             <a:r>
-              <a:rPr lang="ko-KR" altLang="en-US" sz="1100" dirty="0" err="1" smtClean="0">
-                <a:latin typeface="+mn-ea"/>
-              </a:rPr>
-              <a:t>표현식</a:t>
-            </a:r>
-            <a:r>
-              <a:rPr lang="en-US" altLang="ko-KR" sz="1100" dirty="0" smtClean="0">
-                <a:latin typeface="+mn-ea"/>
-              </a:rPr>
-              <a:t>(expression) : &lt;%=	java </a:t>
-            </a:r>
-            <a:r>
-              <a:rPr lang="ko-KR" altLang="en-US" sz="1100" dirty="0" smtClean="0">
+              <a:rPr lang="ko-KR" altLang="en-US" sz="1100" dirty="0">
+                <a:latin typeface="+mn-ea"/>
+              </a:rPr>
+              <a:t>선언</a:t>
+            </a:r>
+            <a:r>
+              <a:rPr lang="en-US" altLang="ko-KR" sz="1100" dirty="0">
+                <a:latin typeface="+mn-ea"/>
+              </a:rPr>
+              <a:t>(declaration) : &lt;%!	java </a:t>
+            </a:r>
+            <a:r>
+              <a:rPr lang="ko-KR" altLang="en-US" sz="1100" dirty="0">
                 <a:latin typeface="+mn-ea"/>
               </a:rPr>
               <a:t>코드 기술   </a:t>
             </a:r>
             <a:r>
-              <a:rPr lang="en-US" altLang="ko-KR" sz="1100" dirty="0" smtClean="0">
+              <a:rPr lang="en-US" altLang="ko-KR" sz="1100" dirty="0">
                 <a:latin typeface="+mn-ea"/>
               </a:rPr>
               <a:t>%&gt;</a:t>
@@ -5492,49 +5234,31 @@
           <a:lstStyle/>
           <a:p>
             <a:r>
-              <a:rPr lang="en-US" altLang="ko-KR" sz="1100" dirty="0" smtClean="0">
+              <a:rPr lang="en-US" altLang="ko-KR" sz="1100" dirty="0">
                 <a:latin typeface="+mn-ea"/>
               </a:rPr>
               <a:t>JSP</a:t>
             </a:r>
             <a:r>
-              <a:rPr lang="ko-KR" altLang="en-US" sz="1100" dirty="0" smtClean="0">
-                <a:latin typeface="+mn-ea"/>
-              </a:rPr>
-              <a:t>페이지 내에서 사용되는 변수의 값 또는 </a:t>
-            </a:r>
-            <a:r>
-              <a:rPr lang="ko-KR" altLang="en-US" sz="1100" dirty="0" err="1" smtClean="0">
-                <a:latin typeface="+mn-ea"/>
-              </a:rPr>
-              <a:t>메소드</a:t>
-            </a:r>
-            <a:r>
-              <a:rPr lang="ko-KR" altLang="en-US" sz="1100" dirty="0" smtClean="0">
-                <a:latin typeface="+mn-ea"/>
-              </a:rPr>
-              <a:t> 호출 </a:t>
-            </a:r>
-            <a:r>
-              <a:rPr lang="ko-KR" altLang="en-US" sz="1100" smtClean="0">
-                <a:latin typeface="+mn-ea"/>
-              </a:rPr>
-              <a:t>결과값을 </a:t>
-            </a:r>
-            <a:r>
-              <a:rPr lang="ko-KR" altLang="en-US" sz="1100" smtClean="0">
-                <a:latin typeface="+mn-ea"/>
-              </a:rPr>
-              <a:t>해당 위치에 출력하기 </a:t>
-            </a:r>
-            <a:r>
-              <a:rPr lang="ko-KR" altLang="en-US" sz="1100" dirty="0" smtClean="0">
-                <a:latin typeface="+mn-ea"/>
-              </a:rPr>
-              <a:t>위해 사용 됩니다</a:t>
-            </a:r>
-            <a:r>
-              <a:rPr lang="en-US" altLang="ko-KR" sz="1100" dirty="0" smtClean="0">
+              <a:rPr lang="ko-KR" altLang="en-US" sz="1100" dirty="0">
+                <a:latin typeface="+mn-ea"/>
+              </a:rPr>
+              <a:t>페이지 내에서 사용되는 변수 또는 </a:t>
+            </a:r>
+            <a:r>
+              <a:rPr lang="ko-KR" altLang="en-US" sz="1100" dirty="0" err="1">
+                <a:latin typeface="+mn-ea"/>
+              </a:rPr>
+              <a:t>메소드를</a:t>
+            </a:r>
+            <a:r>
+              <a:rPr lang="ko-KR" altLang="en-US" sz="1100" dirty="0">
+                <a:latin typeface="+mn-ea"/>
+              </a:rPr>
+              <a:t> 선언할 때 사용 합니다</a:t>
+            </a:r>
+            <a:r>
+              <a:rPr lang="en-US" altLang="ko-KR" sz="1100" dirty="0">
                 <a:latin typeface="+mn-ea"/>
               </a:rPr>
               <a:t>.</a:t>
@@ -5542,47 +5266,47 @@
           </a:p>
           <a:p>
             <a:r>
-              <a:rPr lang="ko-KR" altLang="en-US" sz="1100" dirty="0" smtClean="0">
-                <a:latin typeface="+mn-ea"/>
-              </a:rPr>
-              <a:t>결과값은 </a:t>
-            </a:r>
-            <a:r>
-              <a:rPr lang="en-US" altLang="ko-KR" sz="1100" dirty="0" smtClean="0">
-                <a:latin typeface="+mn-ea"/>
-              </a:rPr>
-              <a:t>String </a:t>
-            </a:r>
-            <a:r>
-              <a:rPr lang="ko-KR" altLang="en-US" sz="1100" dirty="0" smtClean="0">
-                <a:latin typeface="+mn-ea"/>
-              </a:rPr>
-              <a:t>타입이며</a:t>
-            </a:r>
-            <a:r>
-              <a:rPr lang="en-US" altLang="ko-KR" sz="1100" dirty="0" smtClean="0">
-                <a:latin typeface="+mn-ea"/>
-              </a:rPr>
-              <a:t>, ‘;’</a:t>
-            </a:r>
-            <a:r>
-              <a:rPr lang="ko-KR" altLang="en-US" sz="1100" dirty="0" smtClean="0">
-                <a:latin typeface="+mn-ea"/>
-              </a:rPr>
-              <a:t>를 사용 할 수 없습니다</a:t>
-            </a:r>
-            <a:r>
-              <a:rPr lang="en-US" altLang="ko-KR" sz="1100" dirty="0" smtClean="0">
-                <a:latin typeface="+mn-ea"/>
-              </a:rPr>
-              <a:t>.</a:t>
+              <a:rPr lang="ko-KR" altLang="en-US" sz="1100" dirty="0">
+                <a:latin typeface="+mn-ea"/>
+              </a:rPr>
+              <a:t>여기서 선언된 변수 및 메소드는 전역의 의미로 사용됩니다</a:t>
+            </a:r>
+            <a:r>
+              <a:rPr lang="en-US" altLang="ko-KR" sz="1100" dirty="0">
+                <a:latin typeface="+mn-ea"/>
+              </a:rPr>
+              <a:t>.(</a:t>
+            </a:r>
+            <a:r>
+              <a:rPr lang="ko-KR" altLang="en-US" sz="1100" dirty="0">
+                <a:latin typeface="+mn-ea"/>
+              </a:rPr>
+              <a:t>물론 </a:t>
+            </a:r>
+            <a:r>
+              <a:rPr lang="ko-KR" altLang="en-US" sz="1100" dirty="0" err="1">
+                <a:latin typeface="+mn-ea"/>
+              </a:rPr>
+              <a:t>스크립트릿안에</a:t>
+            </a:r>
+            <a:r>
+              <a:rPr lang="ko-KR" altLang="en-US" sz="1100" dirty="0">
+                <a:latin typeface="+mn-ea"/>
+              </a:rPr>
+              <a:t> 만들어도 됨</a:t>
+            </a:r>
+            <a:r>
+              <a:rPr lang="en-US" altLang="ko-KR" sz="1100" dirty="0">
+                <a:latin typeface="+mn-ea"/>
+              </a:rPr>
+              <a:t>)</a:t>
             </a:r>
           </a:p>
         </p:txBody>
       </p:sp>
       <p:pic>
         <p:nvPicPr>
-          <p:cNvPr id="4" name="그림 3"/>
+          <p:cNvPr id="8" name="그림 7"/>
           <p:cNvPicPr>
             <a:picLocks noChangeAspect="1"/>
           </p:cNvPicPr>
@@ -5596,8 +5320,8 @@
         </p:blipFill>
         <p:spPr>
           <a:xfrm>
-            <a:off x="1026788" y="2454091"/>
-            <a:ext cx="2818141" cy="3298326"/>
+            <a:off x="855947" y="2398825"/>
+            <a:ext cx="3220323" cy="3649699"/>
           </a:xfrm>
           <a:prstGeom prst="rect">
             <a:avLst/>
@@ -5606,7 +5330,7 @@
       </p:pic>
       <p:pic>
         <p:nvPicPr>
-          <p:cNvPr id="6" name="그림 5"/>
+          <p:cNvPr id="10" name="그림 9"/>
           <p:cNvPicPr>
             <a:picLocks noChangeAspect="1"/>
           </p:cNvPicPr>
@@ -5620,8 +5344,8 @@
         </p:blipFill>
         <p:spPr>
           <a:xfrm>
-            <a:off x="4542916" y="2454091"/>
-            <a:ext cx="3549512" cy="1080597"/>
+            <a:off x="5015922" y="2464303"/>
+            <a:ext cx="3896591" cy="1172914"/>
           </a:xfrm>
           <a:prstGeom prst="rect">
             <a:avLst/>
@@ -5631,20 +5355,13 @@
     </p:spTree>
     <p:extLst>
       <p:ext uri="{BB962C8B-B14F-4D97-AF65-F5344CB8AC3E}">
-        <p14:creationId xmlns:p14="http://schemas.microsoft.com/office/powerpoint/2010/main" val="3097336175"/>
+        <p14:creationId xmlns:p14="http://schemas.microsoft.com/office/powerpoint/2010/main" val="3485412210"/>
       </p:ext>
     </p:extLst>
   </p:cSld>
   <p:clrMapOvr>
     <a:masterClrMapping/>
   </p:clrMapOvr>
-  <p:timing>
-    <p:tnLst>
-      <p:par>
-        <p:cTn id="1" dur="indefinite" restart="never" nodeType="tmRoot"/>
-      </p:par>
-    </p:tnLst>
-  </p:timing>
 </p:sld>
 </file>
 
@@ -5688,7 +5405,7 @@
           <a:lstStyle/>
           <a:p>
             <a:r>
-              <a:rPr lang="en-US" altLang="ko-KR" sz="1600" b="1" kern="1200" dirty="0" smtClean="0">
+              <a:rPr lang="en-US" altLang="ko-KR" sz="1600" b="1" kern="1200" dirty="0">
                 <a:solidFill>
                   <a:schemeClr val="tx1"/>
                 </a:solidFill>
@@ -5696,10 +5413,10 @@
                 <a:latin typeface="+mn-ea"/>
                 <a:ea typeface="+mn-ea"/>
               </a:rPr>
-              <a:t>10-2</a:t>
-            </a:r>
-            <a:r>
-              <a:rPr lang="en-US" altLang="ko-KR" sz="1600" b="1" kern="1200" smtClean="0">
+              <a:t>10-1.</a:t>
+            </a:r>
+            <a:r>
+              <a:rPr lang="en-US" altLang="ko-KR" sz="1600" b="1" kern="1200" baseline="0" dirty="0">
                 <a:solidFill>
                   <a:schemeClr val="tx1"/>
                 </a:solidFill>
@@ -5707,30 +5424,37 @@
                 <a:latin typeface="+mn-ea"/>
                 <a:ea typeface="+mn-ea"/>
               </a:rPr>
-              <a:t>.</a:t>
-            </a:r>
-            <a:r>
-              <a:rPr lang="en-US" altLang="ko-KR" sz="1600" b="1" kern="1200" baseline="0" smtClean="0">
-                <a:solidFill>
-                  <a:schemeClr val="tx1"/>
-                </a:solidFill>
-                <a:effectLst/>
-                <a:latin typeface="+mn-ea"/>
-                <a:ea typeface="+mn-ea"/>
-              </a:rPr>
               <a:t> </a:t>
             </a:r>
             <a:r>
-              <a:rPr lang="ko-KR" altLang="en-US" sz="1600" b="1" smtClean="0">
-                <a:latin typeface="+mn-ea"/>
-              </a:rPr>
-              <a:t>지시자</a:t>
-            </a:r>
-            <a:r>
-              <a:rPr lang="en-US" altLang="ko-KR" sz="1600" b="1" smtClean="0">
-                <a:latin typeface="+mn-ea"/>
-              </a:rPr>
-              <a:t>(directive)</a:t>
+              <a:rPr lang="ko-KR" altLang="en-US" sz="1600" b="1" dirty="0" err="1">
+                <a:latin typeface="+mn-ea"/>
+              </a:rPr>
+              <a:t>스크립트릿</a:t>
+            </a:r>
+            <a:r>
+              <a:rPr lang="en-US" altLang="ko-KR" sz="1600" b="1" dirty="0">
+                <a:latin typeface="+mn-ea"/>
+              </a:rPr>
+              <a:t>, </a:t>
+            </a:r>
+            <a:r>
+              <a:rPr lang="ko-KR" altLang="en-US" sz="1600" b="1" dirty="0">
+                <a:latin typeface="+mn-ea"/>
+              </a:rPr>
+              <a:t>선언</a:t>
+            </a:r>
+            <a:r>
+              <a:rPr lang="en-US" altLang="ko-KR" sz="1600" b="1" dirty="0">
+                <a:latin typeface="+mn-ea"/>
+              </a:rPr>
+              <a:t>, </a:t>
+            </a:r>
+            <a:r>
+              <a:rPr lang="ko-KR" altLang="en-US" sz="1600" b="1" dirty="0" err="1">
+                <a:latin typeface="+mn-ea"/>
+              </a:rPr>
+              <a:t>표현식</a:t>
             </a:r>
             <a:endParaRPr lang="ko-KR" altLang="en-US" sz="1600" b="1" dirty="0">
               <a:latin typeface="+mn-ea"/>
@@ -5758,6 +5482,412 @@
               <a:rPr lang="ko-KR" altLang="en-US" smtClean="0"/>
               <a:pPr/>
               <a:t>5</a:t>
+            </a:fld>
+            <a:endParaRPr lang="ko-KR" altLang="en-US" dirty="0"/>
+          </a:p>
+        </p:txBody>
+      </p:sp>
+      <p:cxnSp>
+        <p:nvCxnSpPr>
+          <p:cNvPr id="5" name="직선 연결선 4"/>
+          <p:cNvCxnSpPr/>
+          <p:nvPr/>
+        </p:nvCxnSpPr>
+        <p:spPr>
+          <a:xfrm>
+            <a:off x="677008" y="1107832"/>
+            <a:ext cx="10676792" cy="0"/>
+          </a:xfrm>
+          <a:prstGeom prst="line">
+            <a:avLst/>
+          </a:prstGeom>
+          <a:ln w="12700" cmpd="dbl">
+            <a:solidFill>
+              <a:schemeClr val="tx1">
+                <a:lumMod val="75000"/>
+                <a:lumOff val="25000"/>
+              </a:schemeClr>
+            </a:solidFill>
+          </a:ln>
+        </p:spPr>
+        <p:style>
+          <a:lnRef idx="1">
+            <a:schemeClr val="accent1"/>
+          </a:lnRef>
+          <a:fillRef idx="0">
+            <a:schemeClr val="accent1"/>
+          </a:fillRef>
+          <a:effectRef idx="0">
+            <a:schemeClr val="accent1"/>
+          </a:effectRef>
+          <a:fontRef idx="minor">
+            <a:schemeClr val="tx1"/>
+          </a:fontRef>
+        </p:style>
+      </p:cxnSp>
+      <p:sp>
+        <p:nvSpPr>
+          <p:cNvPr id="20" name="TextBox 19"/>
+          <p:cNvSpPr txBox="1"/>
+          <p:nvPr/>
+        </p:nvSpPr>
+        <p:spPr>
+          <a:xfrm>
+            <a:off x="677008" y="1388157"/>
+            <a:ext cx="10676792" cy="261610"/>
+          </a:xfrm>
+          <a:prstGeom prst="rect">
+            <a:avLst/>
+          </a:prstGeom>
+          <a:noFill/>
+        </p:spPr>
+        <p:txBody>
+          <a:bodyPr wrap="square" rtlCol="0">
+            <a:spAutoFit/>
+          </a:bodyPr>
+          <a:lstStyle/>
+          <a:p>
+            <a:r>
+              <a:rPr lang="ko-KR" altLang="en-US" sz="1100" dirty="0" err="1">
+                <a:latin typeface="+mn-ea"/>
+              </a:rPr>
+              <a:t>표현식</a:t>
+            </a:r>
+            <a:r>
+              <a:rPr lang="en-US" altLang="ko-KR" sz="1100" dirty="0">
+                <a:latin typeface="+mn-ea"/>
+              </a:rPr>
+              <a:t>(expression) : &lt;%=	java </a:t>
+            </a:r>
+            <a:r>
+              <a:rPr lang="ko-KR" altLang="en-US" sz="1100" dirty="0">
+                <a:latin typeface="+mn-ea"/>
+              </a:rPr>
+              <a:t>코드 기술   </a:t>
+            </a:r>
+            <a:r>
+              <a:rPr lang="en-US" altLang="ko-KR" sz="1100" dirty="0">
+                <a:latin typeface="+mn-ea"/>
+              </a:rPr>
+              <a:t>%&gt;</a:t>
+            </a:r>
+          </a:p>
+        </p:txBody>
+      </p:sp>
+      <p:cxnSp>
+        <p:nvCxnSpPr>
+          <p:cNvPr id="9" name="직선 연결선 8"/>
+          <p:cNvCxnSpPr/>
+          <p:nvPr/>
+        </p:nvCxnSpPr>
+        <p:spPr>
+          <a:xfrm>
+            <a:off x="730798" y="1654939"/>
+            <a:ext cx="10089604" cy="0"/>
+          </a:xfrm>
+          <a:prstGeom prst="line">
+            <a:avLst/>
+          </a:prstGeom>
+          <a:ln w="12700" cmpd="dbl">
+            <a:solidFill>
+              <a:schemeClr val="tx1">
+                <a:lumMod val="75000"/>
+                <a:lumOff val="25000"/>
+              </a:schemeClr>
+            </a:solidFill>
+          </a:ln>
+        </p:spPr>
+        <p:style>
+          <a:lnRef idx="1">
+            <a:schemeClr val="accent1"/>
+          </a:lnRef>
+          <a:fillRef idx="0">
+            <a:schemeClr val="accent1"/>
+          </a:fillRef>
+          <a:effectRef idx="0">
+            <a:schemeClr val="accent1"/>
+          </a:effectRef>
+          <a:fontRef idx="minor">
+            <a:schemeClr val="tx1"/>
+          </a:fontRef>
+        </p:style>
+      </p:cxnSp>
+      <p:sp>
+        <p:nvSpPr>
+          <p:cNvPr id="12" name="TextBox 11"/>
+          <p:cNvSpPr txBox="1"/>
+          <p:nvPr/>
+        </p:nvSpPr>
+        <p:spPr>
+          <a:xfrm>
+            <a:off x="730798" y="1660112"/>
+            <a:ext cx="10089604" cy="430887"/>
+          </a:xfrm>
+          <a:prstGeom prst="rect">
+            <a:avLst/>
+          </a:prstGeom>
+          <a:noFill/>
+        </p:spPr>
+        <p:txBody>
+          <a:bodyPr wrap="square" rtlCol="0">
+            <a:spAutoFit/>
+          </a:bodyPr>
+          <a:lstStyle/>
+          <a:p>
+            <a:r>
+              <a:rPr lang="en-US" altLang="ko-KR" sz="1100" dirty="0">
+                <a:latin typeface="+mn-ea"/>
+              </a:rPr>
+              <a:t>JSP</a:t>
+            </a:r>
+            <a:r>
+              <a:rPr lang="ko-KR" altLang="en-US" sz="1100" dirty="0">
+                <a:latin typeface="+mn-ea"/>
+              </a:rPr>
+              <a:t>페이지 내에서 사용되는 변수의 값 또는 </a:t>
+            </a:r>
+            <a:r>
+              <a:rPr lang="ko-KR" altLang="en-US" sz="1100" dirty="0" err="1">
+                <a:latin typeface="+mn-ea"/>
+              </a:rPr>
+              <a:t>메소드</a:t>
+            </a:r>
+            <a:r>
+              <a:rPr lang="ko-KR" altLang="en-US" sz="1100" dirty="0">
+                <a:latin typeface="+mn-ea"/>
+              </a:rPr>
+              <a:t> 호출 </a:t>
+            </a:r>
+            <a:r>
+              <a:rPr lang="ko-KR" altLang="en-US" sz="1100">
+                <a:latin typeface="+mn-ea"/>
+              </a:rPr>
+              <a:t>결과값을 해당 위치에 출력하기 </a:t>
+            </a:r>
+            <a:r>
+              <a:rPr lang="ko-KR" altLang="en-US" sz="1100" dirty="0">
+                <a:latin typeface="+mn-ea"/>
+              </a:rPr>
+              <a:t>위해 사용 됩니다</a:t>
+            </a:r>
+            <a:r>
+              <a:rPr lang="en-US" altLang="ko-KR" sz="1100" dirty="0">
+                <a:latin typeface="+mn-ea"/>
+              </a:rPr>
+              <a:t>.</a:t>
+            </a:r>
+          </a:p>
+          <a:p>
+            <a:r>
+              <a:rPr lang="ko-KR" altLang="en-US" sz="1100" dirty="0">
+                <a:latin typeface="+mn-ea"/>
+              </a:rPr>
+              <a:t>결과값은 </a:t>
+            </a:r>
+            <a:r>
+              <a:rPr lang="en-US" altLang="ko-KR" sz="1100" dirty="0">
+                <a:latin typeface="+mn-ea"/>
+              </a:rPr>
+              <a:t>String </a:t>
+            </a:r>
+            <a:r>
+              <a:rPr lang="ko-KR" altLang="en-US" sz="1100" dirty="0">
+                <a:latin typeface="+mn-ea"/>
+              </a:rPr>
+              <a:t>타입이며</a:t>
+            </a:r>
+            <a:r>
+              <a:rPr lang="en-US" altLang="ko-KR" sz="1100" dirty="0">
+                <a:latin typeface="+mn-ea"/>
+              </a:rPr>
+              <a:t>, ‘;’</a:t>
+            </a:r>
+            <a:r>
+              <a:rPr lang="ko-KR" altLang="en-US" sz="1100" dirty="0">
+                <a:latin typeface="+mn-ea"/>
+              </a:rPr>
+              <a:t>를 사용 할 수 없습니다</a:t>
+            </a:r>
+            <a:r>
+              <a:rPr lang="en-US" altLang="ko-KR" sz="1100" dirty="0">
+                <a:latin typeface="+mn-ea"/>
+              </a:rPr>
+              <a:t>.</a:t>
+            </a:r>
+          </a:p>
+        </p:txBody>
+      </p:sp>
+      <p:pic>
+        <p:nvPicPr>
+          <p:cNvPr id="4" name="그림 3"/>
+          <p:cNvPicPr>
+            <a:picLocks noChangeAspect="1"/>
+          </p:cNvPicPr>
+          <p:nvPr/>
+        </p:nvPicPr>
+        <p:blipFill>
+          <a:blip r:embed="rId2" cstate="print"/>
+          <a:stretch>
+            <a:fillRect/>
+          </a:stretch>
+        </p:blipFill>
+        <p:spPr>
+          <a:xfrm>
+            <a:off x="1026788" y="2454091"/>
+            <a:ext cx="2818141" cy="3298326"/>
+          </a:xfrm>
+          <a:prstGeom prst="rect">
+            <a:avLst/>
+          </a:prstGeom>
+        </p:spPr>
+      </p:pic>
+      <p:pic>
+        <p:nvPicPr>
+          <p:cNvPr id="6" name="그림 5"/>
+          <p:cNvPicPr>
+            <a:picLocks noChangeAspect="1"/>
+          </p:cNvPicPr>
+          <p:nvPr/>
+        </p:nvPicPr>
+        <p:blipFill>
+          <a:blip r:embed="rId3" cstate="print"/>
+          <a:stretch>
+            <a:fillRect/>
+          </a:stretch>
+        </p:blipFill>
+        <p:spPr>
+          <a:xfrm>
+            <a:off x="4542916" y="2454091"/>
+            <a:ext cx="3549512" cy="1080597"/>
+          </a:xfrm>
+          <a:prstGeom prst="rect">
+            <a:avLst/>
+          </a:prstGeom>
+        </p:spPr>
+      </p:pic>
+    </p:spTree>
+    <p:extLst>
+      <p:ext uri="{BB962C8B-B14F-4D97-AF65-F5344CB8AC3E}">
+        <p14:creationId xmlns:p14="http://schemas.microsoft.com/office/powerpoint/2010/main" val="3097336175"/>
+      </p:ext>
+    </p:extLst>
+  </p:cSld>
+  <p:clrMapOvr>
+    <a:masterClrMapping/>
+  </p:clrMapOvr>
+</p:sld>
+</file>
+
+<file path=ppt/slides/slide6.xml><?xml version="1.0" encoding="utf-8"?>
+<p:sld xmlns:a="http://schemas.openxmlformats.org/drawingml/2006/main" xmlns:r="http://schemas.openxmlformats.org/officeDocument/2006/relationships" xmlns:p="http://schemas.openxmlformats.org/presentationml/2006/main" showMasterSp="0">
+  <p:cSld>
+    <p:spTree>
+      <p:nvGrpSpPr>
+        <p:cNvPr id="1" name=""/>
+        <p:cNvGrpSpPr/>
+        <p:nvPr/>
+      </p:nvGrpSpPr>
+      <p:grpSpPr>
+        <a:xfrm>
+          <a:off x="0" y="0"/>
+          <a:ext cx="0" cy="0"/>
+          <a:chOff x="0" y="0"/>
+          <a:chExt cx="0" cy="0"/>
+        </a:xfrm>
+      </p:grpSpPr>
+      <p:sp>
+        <p:nvSpPr>
+          <p:cNvPr id="2" name="TextBox 1"/>
+          <p:cNvSpPr txBox="1"/>
+          <p:nvPr/>
+        </p:nvSpPr>
+        <p:spPr>
+          <a:xfrm>
+            <a:off x="677008" y="760205"/>
+            <a:ext cx="10676792" cy="338554"/>
+          </a:xfrm>
+          <a:prstGeom prst="rect">
+            <a:avLst/>
+          </a:prstGeom>
+          <a:noFill/>
+        </p:spPr>
+        <p:txBody>
+          <a:bodyPr wrap="square" rtlCol="0">
+            <a:spAutoFit/>
+          </a:bodyPr>
+          <a:lstStyle/>
+          <a:p>
+            <a:r>
+              <a:rPr lang="en-US" altLang="ko-KR" sz="1600" b="1" kern="1200" dirty="0">
+                <a:solidFill>
+                  <a:schemeClr val="tx1"/>
+                </a:solidFill>
+                <a:effectLst/>
+                <a:latin typeface="+mn-ea"/>
+                <a:ea typeface="+mn-ea"/>
+              </a:rPr>
+              <a:t>10-2</a:t>
+            </a:r>
+            <a:r>
+              <a:rPr lang="en-US" altLang="ko-KR" sz="1600" b="1" kern="1200">
+                <a:solidFill>
+                  <a:schemeClr val="tx1"/>
+                </a:solidFill>
+                <a:effectLst/>
+                <a:latin typeface="+mn-ea"/>
+                <a:ea typeface="+mn-ea"/>
+              </a:rPr>
+              <a:t>.</a:t>
+            </a:r>
+            <a:r>
+              <a:rPr lang="en-US" altLang="ko-KR" sz="1600" b="1" kern="1200" baseline="0">
+                <a:solidFill>
+                  <a:schemeClr val="tx1"/>
+                </a:solidFill>
+                <a:effectLst/>
+                <a:latin typeface="+mn-ea"/>
+                <a:ea typeface="+mn-ea"/>
+              </a:rPr>
+              <a:t> </a:t>
+            </a:r>
+            <a:r>
+              <a:rPr lang="ko-KR" altLang="en-US" sz="1600" b="1">
+                <a:latin typeface="+mn-ea"/>
+              </a:rPr>
+              <a:t>지시자</a:t>
+            </a:r>
+            <a:r>
+              <a:rPr lang="en-US" altLang="ko-KR" sz="1600" b="1">
+                <a:latin typeface="+mn-ea"/>
+              </a:rPr>
+              <a:t>(directive)</a:t>
+            </a:r>
+            <a:endParaRPr lang="ko-KR" altLang="en-US" sz="1600" b="1" dirty="0">
+              <a:latin typeface="+mn-ea"/>
+              <a:ea typeface="+mn-ea"/>
+            </a:endParaRPr>
+          </a:p>
+        </p:txBody>
+      </p:sp>
+      <p:sp>
+        <p:nvSpPr>
+          <p:cNvPr id="3" name="슬라이드 번호 개체 틀 2"/>
+          <p:cNvSpPr>
+            <a:spLocks noGrp="1"/>
+          </p:cNvSpPr>
+          <p:nvPr>
+            <p:ph type="sldNum" sz="quarter" idx="12"/>
+          </p:nvPr>
+        </p:nvSpPr>
+        <p:spPr/>
+        <p:txBody>
+          <a:bodyPr/>
+          <a:lstStyle/>
+          <a:p>
+            <a:fld id="{CFC7ED37-DDEF-4DB7-963E-342CD9877B0B}" type="slidenum">
+              <a:rPr lang="ko-KR" altLang="en-US" smtClean="0"/>
+              <a:pPr/>
+              <a:t>6</a:t>
             </a:fld>
             <a:endParaRPr lang="ko-KR" altLang="en-US" dirty="0"/>
           </a:p>
@@ -5862,19 +5992,19 @@
           <a:lstStyle/>
           <a:p>
             <a:r>
-              <a:rPr lang="en-US" altLang="ko-KR" sz="1100" dirty="0" smtClean="0">
-                <a:latin typeface="+mn-ea"/>
-              </a:rPr>
-              <a:t>JSP</a:t>
-            </a:r>
-            <a:r>
-              <a:rPr lang="ko-KR" altLang="en-US" sz="1100" dirty="0" smtClean="0">
-                <a:latin typeface="+mn-ea"/>
-              </a:rPr>
-              <a:t>페이지의 전체적인 속성을 지정할 때 사용 합니다</a:t>
-            </a:r>
-            <a:r>
-              <a:rPr lang="en-US" altLang="ko-KR" sz="1100" dirty="0" smtClean="0">
+              <a:rPr lang="en-US" altLang="ko-KR" sz="1100" dirty="0">
+                <a:latin typeface="+mn-ea"/>
+              </a:rPr>
+              <a:t>JSP,</a:t>
+            </a:r>
+            <a:r>
+              <a:rPr lang="ko-KR" altLang="en-US" sz="1100" dirty="0">
+                <a:latin typeface="+mn-ea"/>
+              </a:rPr>
+              <a:t> 페이지의 전체적인 속성을 지정할 때 사용 합니다</a:t>
+            </a:r>
+            <a:r>
+              <a:rPr lang="en-US" altLang="ko-KR" sz="1100" dirty="0">
                 <a:latin typeface="+mn-ea"/>
               </a:rPr>
               <a:t>.</a:t>
@@ -5882,67 +6012,67 @@
           </a:p>
           <a:p>
             <a:r>
-              <a:rPr lang="en-US" altLang="ko-KR" sz="1100" dirty="0" smtClean="0">
+              <a:rPr lang="en-US" altLang="ko-KR" sz="1100" dirty="0">
                 <a:latin typeface="+mn-ea"/>
               </a:rPr>
               <a:t>page, include, </a:t>
             </a:r>
             <a:r>
-              <a:rPr lang="en-US" altLang="ko-KR" sz="1100" dirty="0" err="1" smtClean="0">
+              <a:rPr lang="en-US" altLang="ko-KR" sz="1100" dirty="0" err="1">
                 <a:latin typeface="+mn-ea"/>
               </a:rPr>
               <a:t>taglib</a:t>
             </a:r>
             <a:r>
-              <a:rPr lang="en-US" altLang="ko-KR" sz="1100" dirty="0" smtClean="0">
+              <a:rPr lang="en-US" altLang="ko-KR" sz="1100" dirty="0">
                 <a:latin typeface="+mn-ea"/>
               </a:rPr>
               <a:t> </a:t>
             </a:r>
             <a:r>
-              <a:rPr lang="ko-KR" altLang="en-US" sz="1100" dirty="0" smtClean="0">
+              <a:rPr lang="ko-KR" altLang="en-US" sz="1100" dirty="0">
                 <a:latin typeface="+mn-ea"/>
               </a:rPr>
               <a:t>가</a:t>
             </a:r>
             <a:r>
-              <a:rPr lang="en-US" altLang="ko-KR" sz="1100" dirty="0" smtClean="0">
+              <a:rPr lang="en-US" altLang="ko-KR" sz="1100" dirty="0">
                 <a:latin typeface="+mn-ea"/>
               </a:rPr>
               <a:t> </a:t>
             </a:r>
             <a:r>
-              <a:rPr lang="ko-KR" altLang="en-US" sz="1100" dirty="0" smtClean="0">
+              <a:rPr lang="ko-KR" altLang="en-US" sz="1100" dirty="0">
                 <a:latin typeface="+mn-ea"/>
               </a:rPr>
               <a:t>있으며</a:t>
             </a:r>
             <a:r>
-              <a:rPr lang="en-US" altLang="ko-KR" sz="1100" dirty="0" smtClean="0">
-                <a:latin typeface="+mn-ea"/>
-              </a:rPr>
-              <a:t>, &lt;%@  </a:t>
-            </a:r>
-            <a:r>
-              <a:rPr lang="ko-KR" altLang="en-US" sz="1100" dirty="0" smtClean="0">
+              <a:rPr lang="en-US" altLang="ko-KR" sz="1100" dirty="0">
+                <a:latin typeface="+mn-ea"/>
+              </a:rPr>
+              <a:t> &lt;%@  </a:t>
+            </a:r>
+            <a:r>
+              <a:rPr lang="ko-KR" altLang="en-US" sz="1100" dirty="0">
                 <a:latin typeface="+mn-ea"/>
               </a:rPr>
               <a:t>속성 </a:t>
             </a:r>
             <a:r>
-              <a:rPr lang="en-US" altLang="ko-KR" sz="1100" dirty="0" smtClean="0">
+              <a:rPr lang="en-US" altLang="ko-KR" sz="1100" dirty="0">
                 <a:latin typeface="+mn-ea"/>
               </a:rPr>
               <a:t>%&gt;</a:t>
             </a:r>
             <a:r>
-              <a:rPr lang="ko-KR" altLang="en-US" sz="1100" dirty="0" smtClean="0">
+              <a:rPr lang="ko-KR" altLang="en-US" sz="1100" dirty="0">
                 <a:latin typeface="+mn-ea"/>
               </a:rPr>
               <a:t>형태로 사용 됩니다</a:t>
             </a:r>
             <a:r>
-              <a:rPr lang="en-US" altLang="ko-KR" sz="1100" dirty="0" smtClean="0">
+              <a:rPr lang="en-US" altLang="ko-KR" sz="1100" dirty="0">
                 <a:latin typeface="+mn-ea"/>
               </a:rPr>
               <a:t>. </a:t>
@@ -5986,45 +6116,41 @@
           <a:lstStyle/>
           <a:p>
             <a:r>
-              <a:rPr lang="en-US" altLang="ko-KR" dirty="0" smtClean="0"/>
+              <a:rPr lang="en-US" altLang="ko-KR" dirty="0"/>
               <a:t>page : </a:t>
             </a:r>
             <a:r>
-              <a:rPr lang="ko-KR" altLang="en-US" dirty="0" smtClean="0"/>
+              <a:rPr lang="ko-KR" altLang="en-US" dirty="0"/>
               <a:t>해당 페이지의 전체적인 속성 지정</a:t>
             </a:r>
-            <a:endParaRPr lang="en-US" altLang="ko-KR" dirty="0" smtClean="0"/>
+            <a:endParaRPr lang="en-US" altLang="ko-KR" dirty="0"/>
           </a:p>
           <a:p>
             <a:r>
               <a:rPr lang="en-US" altLang="ko-KR" dirty="0"/>
-              <a:t>i</a:t>
-            </a:r>
-            <a:r>
-              <a:rPr lang="en-US" altLang="ko-KR" dirty="0" smtClean="0"/>
-              <a:t>nclude : </a:t>
-            </a:r>
-            <a:r>
-              <a:rPr lang="ko-KR" altLang="en-US" dirty="0" smtClean="0"/>
+              <a:t>include : </a:t>
+            </a:r>
+            <a:r>
+              <a:rPr lang="ko-KR" altLang="en-US" dirty="0"/>
               <a:t>별도의 페이지를 현재 페이지에 삽입</a:t>
             </a:r>
-            <a:endParaRPr lang="en-US" altLang="ko-KR" dirty="0" smtClean="0"/>
-          </a:p>
-          <a:p>
-            <a:r>
-              <a:rPr lang="en-US" altLang="ko-KR" dirty="0" err="1" smtClean="0"/>
+            <a:endParaRPr lang="en-US" altLang="ko-KR" dirty="0"/>
+          </a:p>
+          <a:p>
+            <a:r>
+              <a:rPr lang="en-US" altLang="ko-KR" dirty="0" err="1"/>
               <a:t>taglib</a:t>
             </a:r>
             <a:r>
-              <a:rPr lang="en-US" altLang="ko-KR" dirty="0" smtClean="0"/>
+              <a:rPr lang="en-US" altLang="ko-KR" dirty="0"/>
               <a:t> : </a:t>
             </a:r>
             <a:r>
-              <a:rPr lang="ko-KR" altLang="en-US" dirty="0" smtClean="0"/>
+              <a:rPr lang="ko-KR" altLang="en-US" dirty="0"/>
               <a:t>태그라이브러리의 태그 사용</a:t>
             </a:r>
             <a:r>
-              <a:rPr lang="en-US" altLang="ko-KR" dirty="0" smtClean="0"/>
+              <a:rPr lang="en-US" altLang="ko-KR" dirty="0"/>
               <a:t> </a:t>
             </a:r>
             <a:endParaRPr lang="ko-KR" altLang="en-US" dirty="0"/>
@@ -6057,21 +6183,15 @@
               <a:rPr lang="en-US" altLang="ko-KR" sz="1100" dirty="0">
                 <a:latin typeface="+mn-ea"/>
               </a:rPr>
-              <a:t>p</a:t>
-            </a:r>
-            <a:r>
-              <a:rPr lang="en-US" altLang="ko-KR" sz="1100" dirty="0" smtClean="0">
-                <a:latin typeface="+mn-ea"/>
-              </a:rPr>
-              <a:t>age </a:t>
-            </a:r>
-            <a:r>
-              <a:rPr lang="ko-KR" altLang="en-US" sz="1100" dirty="0" smtClean="0">
+              <a:t>page </a:t>
+            </a:r>
+            <a:r>
+              <a:rPr lang="ko-KR" altLang="en-US" sz="1100" dirty="0">
                 <a:latin typeface="+mn-ea"/>
               </a:rPr>
               <a:t>지시자</a:t>
             </a:r>
-            <a:endParaRPr lang="en-US" altLang="ko-KR" sz="1100" dirty="0" smtClean="0">
+            <a:endParaRPr lang="en-US" altLang="ko-KR" sz="1100" dirty="0">
               <a:latin typeface="+mn-ea"/>
             </a:endParaRPr>
           </a:p>
@@ -6138,37 +6258,37 @@
           <a:lstStyle/>
           <a:p>
             <a:r>
-              <a:rPr lang="ko-KR" altLang="en-US" sz="1100" dirty="0" smtClean="0">
+              <a:rPr lang="ko-KR" altLang="en-US" sz="1100" dirty="0">
                 <a:latin typeface="+mn-ea"/>
               </a:rPr>
               <a:t>페이지의 속성을 지정할 때 사용 합니다</a:t>
             </a:r>
             <a:r>
-              <a:rPr lang="en-US" altLang="ko-KR" sz="1100" dirty="0" smtClean="0">
+              <a:rPr lang="en-US" altLang="ko-KR" sz="1100" dirty="0">
                 <a:latin typeface="+mn-ea"/>
               </a:rPr>
               <a:t>. </a:t>
             </a:r>
             <a:r>
-              <a:rPr lang="ko-KR" altLang="en-US" sz="1100" dirty="0" smtClean="0">
+              <a:rPr lang="ko-KR" altLang="en-US" sz="1100" dirty="0">
                 <a:latin typeface="+mn-ea"/>
               </a:rPr>
               <a:t>주로 사용되는 언어 지정 및 </a:t>
             </a:r>
             <a:r>
-              <a:rPr lang="en-US" altLang="ko-KR" sz="1100" dirty="0" smtClean="0">
+              <a:rPr lang="en-US" altLang="ko-KR" sz="1100" dirty="0">
                 <a:latin typeface="+mn-ea"/>
               </a:rPr>
               <a:t>import</a:t>
             </a:r>
             <a:r>
-              <a:rPr lang="ko-KR" altLang="en-US" sz="1100" dirty="0" smtClean="0">
+              <a:rPr lang="ko-KR" altLang="en-US" sz="1100" dirty="0">
                 <a:latin typeface="+mn-ea"/>
               </a:rPr>
               <a:t>문을 많이 사용 합니다</a:t>
             </a:r>
             <a:r>
-              <a:rPr lang="en-US" altLang="ko-KR" sz="1100" dirty="0" smtClean="0">
+              <a:rPr lang="en-US" altLang="ko-KR" sz="1100" dirty="0">
                 <a:latin typeface="+mn-ea"/>
               </a:rPr>
               <a:t>.</a:t>
@@ -6179,13 +6299,7 @@
               <a:rPr lang="en-US" altLang="ko-KR" sz="1100" dirty="0">
                 <a:latin typeface="+mn-ea"/>
               </a:rPr>
-              <a:t>(</a:t>
-            </a:r>
-            <a:r>
-              <a:rPr lang="en-US" altLang="ko-KR" sz="1100" dirty="0" smtClean="0">
-                <a:latin typeface="+mn-ea"/>
-              </a:rPr>
-              <a:t>jsp_10_2_ex1_directiveex)</a:t>
+              <a:t>(jsp_10_2_ex1_directiveex)</a:t>
             </a:r>
           </a:p>
         </p:txBody>
@@ -6248,17 +6362,10 @@
   <p:clrMapOvr>
     <a:masterClrMapping/>
   </p:clrMapOvr>
-  <p:timing>
-    <p:tnLst>
-      <p:par>
-        <p:cTn id="1" dur="indefinite" restart="never" nodeType="tmRoot"/>
-      </p:par>
-    </p:tnLst>
-  </p:timing>
 </p:sld>
 </file>
 
-<file path=ppt/slides/slide6.xml><?xml version="1.0" encoding="utf-8"?>
+<file path=ppt/slides/slide7.xml><?xml version="1.0" encoding="utf-8"?>
 <p:sld xmlns:a="http://schemas.openxmlformats.org/drawingml/2006/main" xmlns:r="http://schemas.openxmlformats.org/officeDocument/2006/relationships" xmlns:p="http://schemas.openxmlformats.org/presentationml/2006/main" showMasterSp="0">
   <p:cSld>
     <p:spTree>
@@ -6298,7 +6405,7 @@
           <a:lstStyle/>
           <a:p>
             <a:r>
-              <a:rPr lang="en-US" altLang="ko-KR" sz="1600" b="1" kern="1200" dirty="0" smtClean="0">
+              <a:rPr lang="en-US" altLang="ko-KR" sz="1600" b="1" kern="1200" dirty="0">
                 <a:solidFill>
                   <a:schemeClr val="tx1"/>
                 </a:solidFill>
@@ -6309,7 +6416,7 @@
               <a:t>10-2.</a:t>
             </a:r>
             <a:r>
-              <a:rPr lang="en-US" altLang="ko-KR" sz="1600" b="1" kern="1200" baseline="0" dirty="0" smtClean="0">
+              <a:rPr lang="en-US" altLang="ko-KR" sz="1600" b="1" kern="1200" baseline="0" dirty="0">
                 <a:solidFill>
                   <a:schemeClr val="tx1"/>
                 </a:solidFill>
@@ -6320,7 +6427,7 @@
               <a:t> </a:t>
             </a:r>
             <a:r>
-              <a:rPr lang="ko-KR" altLang="en-US" sz="1600" b="1" dirty="0" smtClean="0">
+              <a:rPr lang="ko-KR" altLang="en-US" sz="1600" b="1" dirty="0">
                 <a:latin typeface="+mn-ea"/>
               </a:rPr>
               <a:t>지시자</a:t>
@@ -6350,7 +6457,7 @@
             <a:fld id="{CFC7ED37-DDEF-4DB7-963E-342CD9877B0B}" type="slidenum">
               <a:rPr lang="ko-KR" altLang="en-US" smtClean="0"/>
               <a:pPr/>
-              <a:t>6</a:t>
+              <a:t>7</a:t>
             </a:fld>
             <a:endParaRPr lang="ko-KR" altLang="en-US" dirty="0"/>
           </a:p>
@@ -6455,18 +6562,18 @@
           <a:lstStyle/>
           <a:p>
             <a:r>
-              <a:rPr lang="en-US" altLang="ko-KR" sz="1100" dirty="0" smtClean="0">
+              <a:rPr lang="en-US" altLang="ko-KR" sz="1100" dirty="0">
                 <a:latin typeface="+mn-ea"/>
               </a:rPr>
               <a:t>include </a:t>
             </a:r>
             <a:r>
-              <a:rPr lang="ko-KR" altLang="en-US" sz="1100" dirty="0" smtClean="0">
+              <a:rPr lang="ko-KR" altLang="en-US" sz="1100" dirty="0">
                 <a:latin typeface="+mn-ea"/>
               </a:rPr>
               <a:t>지시자</a:t>
             </a:r>
-            <a:endParaRPr lang="en-US" altLang="ko-KR" sz="1100" dirty="0" smtClean="0">
+            <a:endParaRPr lang="en-US" altLang="ko-KR" sz="1100" dirty="0">
               <a:latin typeface="+mn-ea"/>
             </a:endParaRPr>
           </a:p>
@@ -6533,167 +6640,149 @@
           <a:lstStyle/>
           <a:p>
             <a:r>
-              <a:rPr lang="ko-KR" altLang="en-US" sz="1100" smtClean="0">
+              <a:rPr lang="ko-KR" altLang="en-US" sz="1100">
                 <a:latin typeface="+mn-ea"/>
               </a:rPr>
               <a:t>현재 </a:t>
             </a:r>
             <a:r>
-              <a:rPr lang="en-US" altLang="ko-KR" sz="1100" smtClean="0">
+              <a:rPr lang="en-US" altLang="ko-KR" sz="1100">
                 <a:latin typeface="+mn-ea"/>
               </a:rPr>
               <a:t>jsp</a:t>
             </a:r>
             <a:r>
-              <a:rPr lang="ko-KR" altLang="en-US" sz="1100" smtClean="0">
-                <a:latin typeface="+mn-ea"/>
-              </a:rPr>
-              <a:t>페이지내에 </a:t>
-            </a:r>
-            <a:r>
-              <a:rPr lang="ko-KR" altLang="en-US" sz="1100" smtClean="0">
-                <a:latin typeface="+mn-ea"/>
-              </a:rPr>
-              <a:t>다른 </a:t>
-            </a:r>
-            <a:r>
-              <a:rPr lang="en-US" altLang="ko-KR" sz="1100" smtClean="0">
+              <a:rPr lang="ko-KR" altLang="en-US" sz="1100">
+                <a:latin typeface="+mn-ea"/>
+              </a:rPr>
+              <a:t>페이지내에 다른 </a:t>
+            </a:r>
+            <a:r>
+              <a:rPr lang="en-US" altLang="ko-KR" sz="1100">
                 <a:latin typeface="+mn-ea"/>
               </a:rPr>
               <a:t>jsp</a:t>
             </a:r>
             <a:r>
-              <a:rPr lang="ko-KR" altLang="en-US" sz="1100" smtClean="0">
+              <a:rPr lang="ko-KR" altLang="en-US" sz="1100">
                 <a:latin typeface="+mn-ea"/>
               </a:rPr>
               <a:t>페이지를 </a:t>
             </a:r>
             <a:r>
-              <a:rPr lang="ko-KR" altLang="en-US" sz="1100" dirty="0" smtClean="0">
+              <a:rPr lang="ko-KR" altLang="en-US" sz="1100" dirty="0">
                 <a:latin typeface="+mn-ea"/>
               </a:rPr>
               <a:t>삽입할 때 사용 됩니다</a:t>
             </a:r>
             <a:r>
-              <a:rPr lang="en-US" altLang="ko-KR" sz="1100" dirty="0" smtClean="0">
+              <a:rPr lang="en-US" altLang="ko-KR" sz="1100" dirty="0">
                 <a:latin typeface="+mn-ea"/>
               </a:rPr>
               <a:t>. file</a:t>
             </a:r>
             <a:r>
-              <a:rPr lang="ko-KR" altLang="en-US" sz="1100" dirty="0" smtClean="0">
+              <a:rPr lang="ko-KR" altLang="en-US" sz="1100" dirty="0">
                 <a:latin typeface="+mn-ea"/>
               </a:rPr>
               <a:t>속성을 </a:t>
             </a:r>
             <a:r>
-              <a:rPr lang="ko-KR" altLang="en-US" sz="1100" smtClean="0">
-                <a:latin typeface="+mn-ea"/>
-              </a:rPr>
-              <a:t>이용 </a:t>
-            </a:r>
-            <a:r>
-              <a:rPr lang="ko-KR" altLang="en-US" sz="1100" smtClean="0">
-                <a:latin typeface="+mn-ea"/>
-              </a:rPr>
-              <a:t>합니다 </a:t>
-            </a:r>
-            <a:r>
-              <a:rPr lang="en-US" altLang="ko-KR" sz="1100" smtClean="0">
+              <a:rPr lang="ko-KR" altLang="en-US" sz="1100">
+                <a:latin typeface="+mn-ea"/>
+              </a:rPr>
+              <a:t>이용 합니다 </a:t>
+            </a:r>
+            <a:r>
+              <a:rPr lang="en-US" altLang="ko-KR" sz="1100">
                 <a:latin typeface="+mn-ea"/>
               </a:rPr>
               <a:t>(</a:t>
             </a:r>
             <a:r>
-              <a:rPr lang="ko-KR" altLang="en-US" sz="1100" smtClean="0">
+              <a:rPr lang="ko-KR" altLang="en-US" sz="1100">
                 <a:latin typeface="+mn-ea"/>
               </a:rPr>
               <a:t>서버측 </a:t>
             </a:r>
             <a:r>
-              <a:rPr lang="en-US" altLang="ko-KR" sz="1100" smtClean="0">
+              <a:rPr lang="en-US" altLang="ko-KR" sz="1100">
                 <a:latin typeface="+mn-ea"/>
               </a:rPr>
               <a:t>include</a:t>
             </a:r>
             <a:r>
-              <a:rPr lang="ko-KR" altLang="en-US" sz="1100" smtClean="0">
+              <a:rPr lang="ko-KR" altLang="en-US" sz="1100">
                 <a:latin typeface="+mn-ea"/>
               </a:rPr>
               <a:t>로 </a:t>
             </a:r>
             <a:r>
-              <a:rPr lang="en-US" altLang="ko-KR" sz="1100" smtClean="0">
+              <a:rPr lang="en-US" altLang="ko-KR" sz="1100">
                 <a:latin typeface="+mn-ea"/>
               </a:rPr>
               <a:t>jsp</a:t>
             </a:r>
             <a:r>
-              <a:rPr lang="ko-KR" altLang="en-US" sz="1100" smtClean="0">
+              <a:rPr lang="ko-KR" altLang="en-US" sz="1100">
                 <a:latin typeface="+mn-ea"/>
               </a:rPr>
               <a:t>로 </a:t>
             </a:r>
             <a:r>
-              <a:rPr lang="en-US" altLang="ko-KR" sz="1100" smtClean="0">
+              <a:rPr lang="en-US" altLang="ko-KR" sz="1100">
                 <a:latin typeface="+mn-ea"/>
               </a:rPr>
               <a:t>include</a:t>
             </a:r>
             <a:r>
-              <a:rPr lang="ko-KR" altLang="en-US" sz="1100" smtClean="0">
+              <a:rPr lang="ko-KR" altLang="en-US" sz="1100">
                 <a:latin typeface="+mn-ea"/>
               </a:rPr>
               <a:t>되어 두개의 </a:t>
             </a:r>
             <a:r>
-              <a:rPr lang="en-US" altLang="ko-KR" sz="1100" smtClean="0">
+              <a:rPr lang="en-US" altLang="ko-KR" sz="1100">
                 <a:latin typeface="+mn-ea"/>
               </a:rPr>
               <a:t>jsp</a:t>
             </a:r>
             <a:r>
-              <a:rPr lang="ko-KR" altLang="en-US" sz="1100" smtClean="0">
-                <a:latin typeface="+mn-ea"/>
-              </a:rPr>
-              <a:t>코드가</a:t>
-            </a:r>
-            <a:r>
-              <a:rPr lang="ko-KR" altLang="en-US" sz="1100" smtClean="0">
-                <a:latin typeface="+mn-ea"/>
-              </a:rPr>
-              <a:t> 합해짐</a:t>
-            </a:r>
-            <a:r>
-              <a:rPr lang="en-US" altLang="ko-KR" sz="1100" smtClean="0">
+              <a:rPr lang="ko-KR" altLang="en-US" sz="1100">
+                <a:latin typeface="+mn-ea"/>
+              </a:rPr>
+              <a:t>코드가 합해짐</a:t>
+            </a:r>
+            <a:r>
+              <a:rPr lang="en-US" altLang="ko-KR" sz="1100">
                 <a:latin typeface="+mn-ea"/>
               </a:rPr>
               <a:t>).</a:t>
             </a:r>
             <a:br>
-              <a:rPr lang="en-US" altLang="ko-KR" sz="1100" smtClean="0">
+              <a:rPr lang="en-US" altLang="ko-KR" sz="1100">
                 <a:latin typeface="+mn-ea"/>
               </a:rPr>
             </a:br>
             <a:r>
-              <a:rPr lang="ko-KR" altLang="en-US" sz="1100" smtClean="0">
+              <a:rPr lang="ko-KR" altLang="en-US" sz="1100">
                 <a:latin typeface="+mn-ea"/>
               </a:rPr>
               <a:t>삽입이</a:t>
             </a:r>
             <a:r>
-              <a:rPr lang="en-US" altLang="ko-KR" sz="1100" smtClean="0">
+              <a:rPr lang="en-US" altLang="ko-KR" sz="1100">
                 <a:latin typeface="+mn-ea"/>
               </a:rPr>
               <a:t> </a:t>
             </a:r>
             <a:r>
-              <a:rPr lang="ko-KR" altLang="en-US" sz="1100" smtClean="0">
+              <a:rPr lang="ko-KR" altLang="en-US" sz="1100">
                 <a:latin typeface="+mn-ea"/>
               </a:rPr>
               <a:t>필요한 위치에서 사용</a:t>
             </a:r>
-            <a:endParaRPr lang="en-US" altLang="ko-KR" sz="1100" dirty="0" smtClean="0">
+            <a:endParaRPr lang="en-US" altLang="ko-KR" sz="1100" dirty="0">
               <a:latin typeface="+mn-ea"/>
             </a:endParaRPr>
           </a:p>
@@ -6702,13 +6791,7 @@
               <a:rPr lang="en-US" altLang="ko-KR" sz="1100" dirty="0">
                 <a:latin typeface="+mn-ea"/>
               </a:rPr>
-              <a:t>(</a:t>
-            </a:r>
-            <a:r>
-              <a:rPr lang="en-US" altLang="ko-KR" sz="1100" dirty="0" smtClean="0">
-                <a:latin typeface="+mn-ea"/>
-              </a:rPr>
-              <a:t>jsp_10_2_ex1_directiveex)</a:t>
+              <a:t>(jsp_10_2_ex1_directiveex)</a:t>
             </a:r>
           </a:p>
         </p:txBody>
@@ -6933,17 +7016,10 @@
   <p:clrMapOvr>
     <a:masterClrMapping/>
   </p:clrMapOvr>
-  <p:timing>
-    <p:tnLst>
-      <p:par>
-        <p:cTn id="1" dur="indefinite" restart="never" nodeType="tmRoot"/>
-      </p:par>
-    </p:tnLst>
-  </p:timing>
 </p:sld>
 </file>
 
-<file path=ppt/slides/slide7.xml><?xml version="1.0" encoding="utf-8"?>
+<file path=ppt/slides/slide8.xml><?xml version="1.0" encoding="utf-8"?>
 <p:sld xmlns:a="http://schemas.openxmlformats.org/drawingml/2006/main" xmlns:r="http://schemas.openxmlformats.org/officeDocument/2006/relationships" xmlns:p="http://schemas.openxmlformats.org/presentationml/2006/main" showMasterSp="0">
   <p:cSld>
     <p:spTree>
@@ -6983,7 +7059,7 @@
           <a:lstStyle/>
           <a:p>
             <a:r>
-              <a:rPr lang="en-US" altLang="ko-KR" sz="1600" b="1" kern="1200" dirty="0" smtClean="0">
+              <a:rPr lang="en-US" altLang="ko-KR" sz="1600" b="1" kern="1200" dirty="0">
                 <a:solidFill>
                   <a:schemeClr val="tx1"/>
                 </a:solidFill>
@@ -6994,7 +7070,7 @@
               <a:t>10-2.</a:t>
             </a:r>
             <a:r>
-              <a:rPr lang="en-US" altLang="ko-KR" sz="1600" b="1" kern="1200" baseline="0" dirty="0" smtClean="0">
+              <a:rPr lang="en-US" altLang="ko-KR" sz="1600" b="1" kern="1200" baseline="0" dirty="0">
                 <a:solidFill>
                   <a:schemeClr val="tx1"/>
                 </a:solidFill>
@@ -7005,7 +7081,7 @@
               <a:t> </a:t>
             </a:r>
             <a:r>
-              <a:rPr lang="ko-KR" altLang="en-US" sz="1600" b="1" dirty="0" smtClean="0">
+              <a:rPr lang="ko-KR" altLang="en-US" sz="1600" b="1" dirty="0">
                 <a:latin typeface="+mn-ea"/>
               </a:rPr>
               <a:t>지시자</a:t>
@@ -7035,7 +7111,7 @@
             <a:fld id="{CFC7ED37-DDEF-4DB7-963E-342CD9877B0B}" type="slidenum">
               <a:rPr lang="ko-KR" altLang="en-US" smtClean="0"/>
               <a:pPr/>
-              <a:t>7</a:t>
+              <a:t>8</a:t>
             </a:fld>
             <a:endParaRPr lang="ko-KR" altLang="en-US" dirty="0"/>
           </a:p>
@@ -7140,36 +7216,30 @@
           <a:lstStyle/>
           <a:p>
             <a:r>
-              <a:rPr lang="en-US" altLang="ko-KR" sz="1100" err="1" smtClean="0">
+              <a:rPr lang="en-US" altLang="ko-KR" sz="1100" err="1">
                 <a:latin typeface="+mn-ea"/>
               </a:rPr>
               <a:t>taglib</a:t>
             </a:r>
             <a:r>
-              <a:rPr lang="en-US" altLang="ko-KR" sz="1100" smtClean="0">
+              <a:rPr lang="en-US" altLang="ko-KR" sz="1100">
                 <a:latin typeface="+mn-ea"/>
               </a:rPr>
               <a:t> </a:t>
             </a:r>
             <a:r>
-              <a:rPr lang="ko-KR" altLang="en-US" sz="1100" smtClean="0">
+              <a:rPr lang="ko-KR" altLang="en-US" sz="1100">
                 <a:latin typeface="+mn-ea"/>
               </a:rPr>
               <a:t>지시자 </a:t>
             </a:r>
             <a:r>
-              <a:rPr lang="en-US" altLang="ko-KR" sz="1100" smtClean="0">
-                <a:latin typeface="+mn-ea"/>
-              </a:rPr>
-              <a:t>&lt;%@</a:t>
-            </a:r>
-            <a:r>
-              <a:rPr lang="en-US" altLang="ko-KR" sz="1100" smtClean="0">
-                <a:latin typeface="+mn-ea"/>
-              </a:rPr>
-              <a:t>taglib         %&gt;</a:t>
-            </a:r>
-            <a:endParaRPr lang="en-US" altLang="ko-KR" sz="1100" dirty="0" smtClean="0">
+              <a:rPr lang="en-US" altLang="ko-KR" sz="1100">
+                <a:latin typeface="+mn-ea"/>
+              </a:rPr>
+              <a:t>&lt;%@taglib         %&gt;</a:t>
+            </a:r>
+            <a:endParaRPr lang="en-US" altLang="ko-KR" sz="1100" dirty="0">
               <a:latin typeface="+mn-ea"/>
             </a:endParaRPr>
           </a:p>
@@ -7236,55 +7306,55 @@
           <a:lstStyle/>
           <a:p>
             <a:r>
-              <a:rPr lang="ko-KR" altLang="en-US" sz="1100" dirty="0" smtClean="0">
+              <a:rPr lang="ko-KR" altLang="en-US" sz="1100" dirty="0">
                 <a:latin typeface="+mn-ea"/>
               </a:rPr>
               <a:t>사용자가 만든 </a:t>
             </a:r>
             <a:r>
-              <a:rPr lang="en-US" altLang="ko-KR" sz="1100" dirty="0" smtClean="0">
+              <a:rPr lang="en-US" altLang="ko-KR" sz="1100" dirty="0">
                 <a:latin typeface="+mn-ea"/>
               </a:rPr>
               <a:t>tag</a:t>
             </a:r>
             <a:r>
-              <a:rPr lang="ko-KR" altLang="en-US" sz="1100" dirty="0" smtClean="0">
+              <a:rPr lang="ko-KR" altLang="en-US" sz="1100" dirty="0">
                 <a:latin typeface="+mn-ea"/>
               </a:rPr>
               <a:t>들을 태그라이브러리라고 합니다</a:t>
             </a:r>
             <a:r>
-              <a:rPr lang="en-US" altLang="ko-KR" sz="1100" dirty="0" smtClean="0">
+              <a:rPr lang="en-US" altLang="ko-KR" sz="1100" dirty="0">
                 <a:latin typeface="+mn-ea"/>
               </a:rPr>
               <a:t>. </a:t>
             </a:r>
             <a:r>
-              <a:rPr lang="ko-KR" altLang="en-US" sz="1100" dirty="0" smtClean="0">
+              <a:rPr lang="ko-KR" altLang="en-US" sz="1100" dirty="0">
                 <a:latin typeface="+mn-ea"/>
               </a:rPr>
               <a:t>그리고 이러한 태그라이브러리를 사용하기 위해 </a:t>
             </a:r>
             <a:r>
-              <a:rPr lang="en-US" altLang="ko-KR" sz="1100" dirty="0" err="1" smtClean="0">
+              <a:rPr lang="en-US" altLang="ko-KR" sz="1100" dirty="0" err="1">
                 <a:latin typeface="+mn-ea"/>
               </a:rPr>
               <a:t>taglib</a:t>
             </a:r>
             <a:r>
-              <a:rPr lang="ko-KR" altLang="en-US" sz="1100" dirty="0" err="1" smtClean="0">
+              <a:rPr lang="ko-KR" altLang="en-US" sz="1100" dirty="0" err="1">
                 <a:latin typeface="+mn-ea"/>
               </a:rPr>
               <a:t>지시자를</a:t>
             </a:r>
             <a:r>
-              <a:rPr lang="ko-KR" altLang="en-US" sz="1100" dirty="0" smtClean="0">
+              <a:rPr lang="ko-KR" altLang="en-US" sz="1100" dirty="0">
                 <a:latin typeface="+mn-ea"/>
               </a:rPr>
               <a:t> 사용 합니다</a:t>
             </a:r>
             <a:r>
-              <a:rPr lang="en-US" altLang="ko-KR" sz="1100" dirty="0" smtClean="0">
+              <a:rPr lang="en-US" altLang="ko-KR" sz="1100" dirty="0">
                 <a:latin typeface="+mn-ea"/>
               </a:rPr>
               <a:t>.</a:t>
@@ -7295,76 +7365,70 @@
               <a:rPr lang="en-US" altLang="ko-KR" sz="1100" dirty="0" err="1">
                 <a:latin typeface="+mn-ea"/>
               </a:rPr>
-              <a:t>u</a:t>
-            </a:r>
-            <a:r>
-              <a:rPr lang="en-US" altLang="ko-KR" sz="1100" dirty="0" err="1" smtClean="0">
-                <a:latin typeface="+mn-ea"/>
-              </a:rPr>
-              <a:t>ri</a:t>
-            </a:r>
-            <a:r>
-              <a:rPr lang="ko-KR" altLang="en-US" sz="1100" dirty="0" smtClean="0">
+              <a:t>uri</a:t>
+            </a:r>
+            <a:r>
+              <a:rPr lang="ko-KR" altLang="en-US" sz="1100" dirty="0">
                 <a:latin typeface="+mn-ea"/>
               </a:rPr>
               <a:t> 및 </a:t>
             </a:r>
             <a:r>
-              <a:rPr lang="en-US" altLang="ko-KR" sz="1100" dirty="0" smtClean="0">
+              <a:rPr lang="en-US" altLang="ko-KR" sz="1100" dirty="0">
                 <a:latin typeface="+mn-ea"/>
               </a:rPr>
               <a:t>prefix </a:t>
             </a:r>
             <a:r>
-              <a:rPr lang="ko-KR" altLang="en-US" sz="1100" dirty="0" smtClean="0">
+              <a:rPr lang="ko-KR" altLang="en-US" sz="1100" dirty="0">
                 <a:latin typeface="+mn-ea"/>
               </a:rPr>
               <a:t>속성이 있으며</a:t>
             </a:r>
             <a:r>
-              <a:rPr lang="en-US" altLang="ko-KR" sz="1100" dirty="0" smtClean="0">
+              <a:rPr lang="en-US" altLang="ko-KR" sz="1100" dirty="0">
                 <a:latin typeface="+mn-ea"/>
               </a:rPr>
               <a:t>, </a:t>
             </a:r>
             <a:r>
-              <a:rPr lang="en-US" altLang="ko-KR" sz="1100" dirty="0" err="1" smtClean="0">
+              <a:rPr lang="en-US" altLang="ko-KR" sz="1100" dirty="0" err="1">
                 <a:latin typeface="+mn-ea"/>
               </a:rPr>
               <a:t>uri</a:t>
             </a:r>
             <a:r>
-              <a:rPr lang="ko-KR" altLang="en-US" sz="1100" dirty="0" smtClean="0">
+              <a:rPr lang="ko-KR" altLang="en-US" sz="1100" dirty="0">
                 <a:latin typeface="+mn-ea"/>
               </a:rPr>
               <a:t>는 </a:t>
             </a:r>
             <a:r>
-              <a:rPr lang="ko-KR" altLang="en-US" sz="1100" dirty="0" err="1" smtClean="0">
+              <a:rPr lang="ko-KR" altLang="en-US" sz="1100" dirty="0" err="1">
                 <a:latin typeface="+mn-ea"/>
               </a:rPr>
               <a:t>태그라이브러이의</a:t>
             </a:r>
             <a:r>
-              <a:rPr lang="ko-KR" altLang="en-US" sz="1100" dirty="0" smtClean="0">
+              <a:rPr lang="ko-KR" altLang="en-US" sz="1100" dirty="0">
                 <a:latin typeface="+mn-ea"/>
               </a:rPr>
               <a:t> 위치 값을 가지며</a:t>
             </a:r>
             <a:r>
-              <a:rPr lang="en-US" altLang="ko-KR" sz="1100" dirty="0" smtClean="0">
+              <a:rPr lang="en-US" altLang="ko-KR" sz="1100" dirty="0">
                 <a:latin typeface="+mn-ea"/>
               </a:rPr>
               <a:t>, prefix</a:t>
             </a:r>
             <a:r>
-              <a:rPr lang="ko-KR" altLang="en-US" sz="1100" dirty="0" smtClean="0">
+              <a:rPr lang="ko-KR" altLang="en-US" sz="1100" dirty="0">
                 <a:latin typeface="+mn-ea"/>
               </a:rPr>
               <a:t>는 태그를 가리키는 이름 값을 가집니다</a:t>
             </a:r>
             <a:r>
-              <a:rPr lang="en-US" altLang="ko-KR" sz="1100" dirty="0" smtClean="0">
+              <a:rPr lang="en-US" altLang="ko-KR" sz="1100" dirty="0">
                 <a:latin typeface="+mn-ea"/>
               </a:rPr>
               <a:t>.</a:t>
@@ -7380,46 +7444,40 @@
               <a:rPr lang="en-US" altLang="ko-KR" sz="1100" dirty="0" err="1">
                 <a:latin typeface="+mn-ea"/>
               </a:rPr>
-              <a:t>t</a:t>
-            </a:r>
-            <a:r>
-              <a:rPr lang="en-US" altLang="ko-KR" sz="1100" dirty="0" err="1" smtClean="0">
-                <a:latin typeface="+mn-ea"/>
-              </a:rPr>
-              <a:t>aglib</a:t>
-            </a:r>
-            <a:r>
-              <a:rPr lang="en-US" altLang="ko-KR" sz="1100" dirty="0" smtClean="0">
+              <a:t>taglib</a:t>
+            </a:r>
+            <a:r>
+              <a:rPr lang="en-US" altLang="ko-KR" sz="1100" dirty="0">
                 <a:latin typeface="+mn-ea"/>
               </a:rPr>
               <a:t> </a:t>
             </a:r>
             <a:r>
-              <a:rPr lang="ko-KR" altLang="en-US" sz="1100" dirty="0" err="1" smtClean="0">
+              <a:rPr lang="ko-KR" altLang="en-US" sz="1100" dirty="0" err="1">
                 <a:latin typeface="+mn-ea"/>
               </a:rPr>
               <a:t>지시자에</a:t>
             </a:r>
             <a:r>
-              <a:rPr lang="ko-KR" altLang="en-US" sz="1100" dirty="0" smtClean="0">
+              <a:rPr lang="ko-KR" altLang="en-US" sz="1100" dirty="0">
                 <a:latin typeface="+mn-ea"/>
               </a:rPr>
               <a:t> 대한 학습은 추후에 살펴볼 </a:t>
             </a:r>
             <a:r>
-              <a:rPr lang="en-US" altLang="ko-KR" sz="1100" dirty="0" smtClean="0">
+              <a:rPr lang="en-US" altLang="ko-KR" sz="1100" dirty="0">
                 <a:latin typeface="+mn-ea"/>
               </a:rPr>
               <a:t>JSTL</a:t>
             </a:r>
             <a:r>
-              <a:rPr lang="ko-KR" altLang="en-US" sz="1100" dirty="0" smtClean="0">
+              <a:rPr lang="ko-KR" altLang="en-US" sz="1100" dirty="0">
                 <a:latin typeface="+mn-ea"/>
               </a:rPr>
               <a:t>학습 때 다시 살펴보기로 합니다</a:t>
             </a:r>
             <a:r>
-              <a:rPr lang="en-US" altLang="ko-KR" sz="1100" dirty="0" smtClean="0">
+              <a:rPr lang="en-US" altLang="ko-KR" sz="1100" dirty="0">
                 <a:latin typeface="+mn-ea"/>
               </a:rPr>
               <a:t>.</a:t>
@@ -7464,50 +7522,34 @@
           <a:p>
             <a:pPr algn="ctr"/>
             <a:r>
-              <a:rPr lang="en-US" altLang="ko-KR" dirty="0" smtClean="0"/>
+              <a:rPr lang="en-US" altLang="ko-KR" dirty="0"/>
               <a:t>&lt;%@ </a:t>
             </a:r>
             <a:r>
-              <a:rPr lang="en-US" altLang="ko-KR" dirty="0" err="1" smtClean="0"/>
+              <a:rPr lang="en-US" altLang="ko-KR" dirty="0" err="1"/>
               <a:t>taglib</a:t>
             </a:r>
             <a:r>
-              <a:rPr lang="en-US" altLang="ko-KR" dirty="0" smtClean="0"/>
+              <a:rPr lang="en-US" altLang="ko-KR" dirty="0"/>
               <a:t> </a:t>
             </a:r>
             <a:r>
-              <a:rPr lang="en-US" altLang="ko-KR" dirty="0" err="1" smtClean="0"/>
+              <a:rPr lang="en-US" altLang="ko-KR" dirty="0" err="1"/>
               <a:t>uri</a:t>
             </a:r>
             <a:r>
-              <a:rPr lang="en-US" altLang="ko-KR" dirty="0" smtClean="0"/>
+              <a:rPr lang="en-US" altLang="ko-KR" dirty="0"/>
               <a:t>=</a:t>
-            </a:r>
-            <a:r>
-              <a:rPr lang="en-US" altLang="ko-KR" dirty="0" smtClean="0">
-                <a:hlinkClick r:id="rId2"/>
-              </a:rPr>
-              <a:t>http</a:t>
             </a:r>
             <a:r>
               <a:rPr lang="en-US" altLang="ko-KR" dirty="0">
                 <a:hlinkClick r:id="rId2"/>
               </a:rPr>
-              <a:t>://</a:t>
-            </a:r>
-            <a:r>
-              <a:rPr lang="en-US" altLang="ko-KR" dirty="0" smtClean="0">
-                <a:hlinkClick r:id="rId2"/>
-              </a:rPr>
-              <a:t>java.sun.com/jsp/jstl/core</a:t>
-            </a:r>
-            <a:r>
-              <a:rPr lang="en-US" altLang="ko-KR" dirty="0" smtClean="0"/>
-              <a:t> prefix=“c” </a:t>
+              <a:t>http://java.sun.com/jsp/jstl/core</a:t>
             </a:r>
             <a:r>
               <a:rPr lang="en-US" altLang="ko-KR" dirty="0"/>
-              <a:t>%&gt;</a:t>
+              <a:t> prefix=“c” %&gt;</a:t>
             </a:r>
             <a:endParaRPr lang="ko-KR" altLang="en-US" dirty="0"/>
           </a:p>
@@ -7523,17 +7565,10 @@
   <p:clrMapOvr>
     <a:masterClrMapping/>
   </p:clrMapOvr>
-  <p:timing>
-    <p:tnLst>
-      <p:par>
-        <p:cTn id="1" dur="indefinite" restart="never" nodeType="tmRoot"/>
-      </p:par>
-    </p:tnLst>
-  </p:timing>
 </p:sld>
 </file>
 
-<file path=ppt/slides/slide8.xml><?xml version="1.0" encoding="utf-8"?>
+<file path=ppt/slides/slide9.xml><?xml version="1.0" encoding="utf-8"?>
 <p:sld xmlns:a="http://schemas.openxmlformats.org/drawingml/2006/main" xmlns:r="http://schemas.openxmlformats.org/officeDocument/2006/relationships" xmlns:p="http://schemas.openxmlformats.org/presentationml/2006/main" showMasterSp="0">
   <p:cSld>
     <p:spTree>
@@ -7573,7 +7608,7 @@
           <a:lstStyle/>
           <a:p>
             <a:r>
-              <a:rPr lang="en-US" altLang="ko-KR" sz="1600" b="1" kern="1200" dirty="0" smtClean="0">
+              <a:rPr lang="en-US" altLang="ko-KR" sz="1600" b="1" kern="1200" dirty="0">
                 <a:solidFill>
                   <a:schemeClr val="tx1"/>
                 </a:solidFill>
@@ -7584,7 +7619,7 @@
               <a:t>10-3.</a:t>
             </a:r>
             <a:r>
-              <a:rPr lang="en-US" altLang="ko-KR" sz="1600" b="1" kern="1200" baseline="0" dirty="0" smtClean="0">
+              <a:rPr lang="en-US" altLang="ko-KR" sz="1600" b="1" kern="1200" baseline="0" dirty="0">
                 <a:solidFill>
                   <a:schemeClr val="tx1"/>
                 </a:solidFill>
@@ -7595,7 +7630,7 @@
               <a:t> </a:t>
             </a:r>
             <a:r>
-              <a:rPr lang="ko-KR" altLang="en-US" sz="1600" b="1" dirty="0" smtClean="0">
+              <a:rPr lang="ko-KR" altLang="en-US" sz="1600" b="1" dirty="0">
                 <a:latin typeface="+mn-ea"/>
               </a:rPr>
               <a:t>주석</a:t>
@@ -7625,7 +7660,7 @@
             <a:fld id="{CFC7ED37-DDEF-4DB7-963E-342CD9877B0B}" type="slidenum">
               <a:rPr lang="ko-KR" altLang="en-US" smtClean="0"/>
               <a:pPr/>
-              <a:t>8</a:t>
+              <a:t>9</a:t>
             </a:fld>
             <a:endParaRPr lang="ko-KR" altLang="en-US" dirty="0"/>
           </a:p>
@@ -7730,18 +7765,18 @@
           <a:lstStyle/>
           <a:p>
             <a:r>
-              <a:rPr lang="en-US" altLang="ko-KR" sz="1100" dirty="0" smtClean="0">
+              <a:rPr lang="en-US" altLang="ko-KR" sz="1100" dirty="0">
                 <a:latin typeface="+mn-ea"/>
               </a:rPr>
               <a:t>HTML </a:t>
             </a:r>
             <a:r>
-              <a:rPr lang="ko-KR" altLang="en-US" sz="1100" dirty="0" smtClean="0">
+              <a:rPr lang="ko-KR" altLang="en-US" sz="1100" dirty="0">
                 <a:latin typeface="+mn-ea"/>
               </a:rPr>
               <a:t>주석</a:t>
             </a:r>
-            <a:endParaRPr lang="en-US" altLang="ko-KR" sz="1100" dirty="0" smtClean="0">
+            <a:endParaRPr lang="en-US" altLang="ko-KR" sz="1100" dirty="0">
               <a:latin typeface="+mn-ea"/>
             </a:endParaRPr>
           </a:p>
@@ -7808,31 +7843,31 @@
           <a:lstStyle/>
           <a:p>
             <a:r>
-              <a:rPr lang="en-US" altLang="ko-KR" sz="1100" dirty="0" smtClean="0">
+              <a:rPr lang="en-US" altLang="ko-KR" sz="1100" dirty="0">
                 <a:latin typeface="+mn-ea"/>
               </a:rPr>
               <a:t>&lt;!– comments --&gt;</a:t>
             </a:r>
             <a:r>
-              <a:rPr lang="ko-KR" altLang="en-US" sz="1100" dirty="0" smtClean="0">
+              <a:rPr lang="ko-KR" altLang="en-US" sz="1100" dirty="0">
                 <a:latin typeface="+mn-ea"/>
               </a:rPr>
               <a:t>로 기술 하며</a:t>
             </a:r>
             <a:r>
-              <a:rPr lang="en-US" altLang="ko-KR" sz="1100" dirty="0" smtClean="0">
+              <a:rPr lang="en-US" altLang="ko-KR" sz="1100" dirty="0">
                 <a:latin typeface="+mn-ea"/>
               </a:rPr>
               <a:t>, </a:t>
             </a:r>
             <a:r>
-              <a:rPr lang="ko-KR" altLang="en-US" sz="1100" dirty="0" smtClean="0">
+              <a:rPr lang="ko-KR" altLang="en-US" sz="1100" dirty="0">
                 <a:latin typeface="+mn-ea"/>
               </a:rPr>
               <a:t>테스트 용도 및 프로그램 설명 용도로 사용 합니다</a:t>
             </a:r>
             <a:r>
-              <a:rPr lang="en-US" altLang="ko-KR" sz="1100" dirty="0" smtClean="0">
+              <a:rPr lang="en-US" altLang="ko-KR" sz="1100" dirty="0">
                 <a:latin typeface="+mn-ea"/>
               </a:rPr>
               <a:t>.</a:t>
@@ -7863,25 +7898,25 @@
           <a:lstStyle/>
           <a:p>
             <a:r>
-              <a:rPr lang="ko-KR" altLang="en-US" sz="1100" dirty="0" smtClean="0">
+              <a:rPr lang="ko-KR" altLang="en-US" sz="1100" dirty="0">
                 <a:latin typeface="+mn-ea"/>
               </a:rPr>
               <a:t>실제 프로그램에는 영향이 없고</a:t>
             </a:r>
             <a:r>
-              <a:rPr lang="en-US" altLang="ko-KR" sz="1100" dirty="0" smtClean="0">
+              <a:rPr lang="en-US" altLang="ko-KR" sz="1100" dirty="0">
                 <a:latin typeface="+mn-ea"/>
               </a:rPr>
               <a:t>, </a:t>
             </a:r>
             <a:r>
-              <a:rPr lang="ko-KR" altLang="en-US" sz="1100" dirty="0" smtClean="0">
+              <a:rPr lang="ko-KR" altLang="en-US" sz="1100" dirty="0">
                 <a:latin typeface="+mn-ea"/>
               </a:rPr>
               <a:t>프로그램 설명들의 목적으로 사용되는 태그 입니다</a:t>
             </a:r>
             <a:r>
-              <a:rPr lang="en-US" altLang="ko-KR" sz="1100" dirty="0" smtClean="0">
+              <a:rPr lang="en-US" altLang="ko-KR" sz="1100" dirty="0">
                 <a:latin typeface="+mn-ea"/>
               </a:rPr>
               <a:t>.</a:t>
@@ -7889,31 +7924,31 @@
           </a:p>
           <a:p>
             <a:r>
-              <a:rPr lang="en-US" altLang="ko-KR" sz="1100" dirty="0" smtClean="0">
+              <a:rPr lang="en-US" altLang="ko-KR" sz="1100" dirty="0">
                 <a:latin typeface="+mn-ea"/>
               </a:rPr>
               <a:t>HTML </a:t>
             </a:r>
             <a:r>
-              <a:rPr lang="ko-KR" altLang="en-US" sz="1100" dirty="0" smtClean="0">
+              <a:rPr lang="ko-KR" altLang="en-US" sz="1100" dirty="0">
                 <a:latin typeface="+mn-ea"/>
               </a:rPr>
               <a:t>및 </a:t>
             </a:r>
             <a:r>
-              <a:rPr lang="en-US" altLang="ko-KR" sz="1100" dirty="0" smtClean="0">
+              <a:rPr lang="en-US" altLang="ko-KR" sz="1100" dirty="0">
                 <a:latin typeface="+mn-ea"/>
               </a:rPr>
               <a:t>JSP </a:t>
             </a:r>
             <a:r>
-              <a:rPr lang="ko-KR" altLang="en-US" sz="1100" dirty="0" smtClean="0">
+              <a:rPr lang="ko-KR" altLang="en-US" sz="1100" dirty="0">
                 <a:latin typeface="+mn-ea"/>
               </a:rPr>
               <a:t>주석이 별도로 존재 합니다</a:t>
             </a:r>
             <a:r>
-              <a:rPr lang="en-US" altLang="ko-KR" sz="1100" dirty="0" smtClean="0">
+              <a:rPr lang="en-US" altLang="ko-KR" sz="1100" dirty="0">
                 <a:latin typeface="+mn-ea"/>
               </a:rPr>
               <a:t>.</a:t>
@@ -7924,13 +7959,7 @@
               <a:rPr lang="en-US" altLang="ko-KR" sz="1100" dirty="0">
                 <a:latin typeface="+mn-ea"/>
               </a:rPr>
-              <a:t>(</a:t>
-            </a:r>
-            <a:r>
-              <a:rPr lang="en-US" altLang="ko-KR" sz="1100" dirty="0" smtClean="0">
-                <a:latin typeface="+mn-ea"/>
-              </a:rPr>
-              <a:t>jsp_10_3_ex1_comments)</a:t>
+              <a:t>(jsp_10_3_ex1_comments)</a:t>
             </a:r>
           </a:p>
         </p:txBody>
@@ -7982,18 +8011,18 @@
           <a:lstStyle/>
           <a:p>
             <a:r>
-              <a:rPr lang="en-US" altLang="ko-KR" sz="1100" dirty="0" smtClean="0">
+              <a:rPr lang="en-US" altLang="ko-KR" sz="1100" dirty="0">
                 <a:latin typeface="+mn-ea"/>
               </a:rPr>
               <a:t>JSP </a:t>
             </a:r>
             <a:r>
-              <a:rPr lang="ko-KR" altLang="en-US" sz="1100" dirty="0" smtClean="0">
+              <a:rPr lang="ko-KR" altLang="en-US" sz="1100" dirty="0">
                 <a:latin typeface="+mn-ea"/>
               </a:rPr>
               <a:t>주석</a:t>
             </a:r>
-            <a:endParaRPr lang="en-US" altLang="ko-KR" sz="1100" dirty="0" smtClean="0">
+            <a:endParaRPr lang="en-US" altLang="ko-KR" sz="1100" dirty="0">
               <a:latin typeface="+mn-ea"/>
             </a:endParaRPr>
           </a:p>
@@ -8060,31 +8089,31 @@
           <a:lstStyle/>
           <a:p>
             <a:r>
-              <a:rPr lang="en-US" altLang="ko-KR" sz="1100" dirty="0" smtClean="0">
+              <a:rPr lang="en-US" altLang="ko-KR" sz="1100" dirty="0">
                 <a:latin typeface="+mn-ea"/>
               </a:rPr>
               <a:t>&lt;%-- comments --&gt;</a:t>
             </a:r>
             <a:r>
-              <a:rPr lang="ko-KR" altLang="en-US" sz="1100" dirty="0" smtClean="0">
+              <a:rPr lang="ko-KR" altLang="en-US" sz="1100" dirty="0">
                 <a:latin typeface="+mn-ea"/>
               </a:rPr>
               <a:t>로 기술 하며</a:t>
             </a:r>
             <a:r>
-              <a:rPr lang="en-US" altLang="ko-KR" sz="1100" dirty="0" smtClean="0">
+              <a:rPr lang="en-US" altLang="ko-KR" sz="1100" dirty="0">
                 <a:latin typeface="+mn-ea"/>
               </a:rPr>
               <a:t>, HTML</a:t>
             </a:r>
             <a:r>
-              <a:rPr lang="ko-KR" altLang="en-US" sz="1100" dirty="0" smtClean="0">
+              <a:rPr lang="ko-KR" altLang="en-US" sz="1100" dirty="0">
                 <a:latin typeface="+mn-ea"/>
               </a:rPr>
               <a:t>주석과 마찬가지로 테스트 용도 및 프로그램 설명 용도로 사용 합니다</a:t>
             </a:r>
             <a:r>
-              <a:rPr lang="en-US" altLang="ko-KR" sz="1100" dirty="0" smtClean="0">
+              <a:rPr lang="en-US" altLang="ko-KR" sz="1100" dirty="0">
                 <a:latin typeface="+mn-ea"/>
               </a:rPr>
               <a:t>.</a:t>
@@ -8092,19 +8121,19 @@
           </a:p>
           <a:p>
             <a:r>
-              <a:rPr lang="en-US" altLang="ko-KR" sz="1100" dirty="0" smtClean="0">
+              <a:rPr lang="en-US" altLang="ko-KR" sz="1100" dirty="0">
                 <a:latin typeface="+mn-ea"/>
               </a:rPr>
               <a:t>JAVA</a:t>
             </a:r>
             <a:r>
-              <a:rPr lang="ko-KR" altLang="en-US" sz="1100" dirty="0" smtClean="0">
+              <a:rPr lang="ko-KR" altLang="en-US" sz="1100" dirty="0">
                 <a:latin typeface="+mn-ea"/>
               </a:rPr>
               <a:t>언어의 주석도 사용 됩니다</a:t>
             </a:r>
             <a:r>
-              <a:rPr lang="en-US" altLang="ko-KR" sz="1100" dirty="0" smtClean="0">
+              <a:rPr lang="en-US" altLang="ko-KR" sz="1100" dirty="0">
                 <a:latin typeface="+mn-ea"/>
               </a:rPr>
               <a:t>. (//, /* */)</a:t>
@@ -8221,19 +8250,19 @@
           <a:p>
             <a:pPr algn="ctr"/>
             <a:r>
-              <a:rPr lang="ko-KR" altLang="en-US" sz="1400" dirty="0" err="1" smtClean="0">
+              <a:rPr lang="ko-KR" altLang="en-US" sz="1400" dirty="0" err="1">
                 <a:latin typeface="+mn-ea"/>
               </a:rPr>
               <a:t>웹브라우저</a:t>
             </a:r>
             <a:r>
-              <a:rPr lang="ko-KR" altLang="en-US" sz="1400" dirty="0" smtClean="0">
+              <a:rPr lang="ko-KR" altLang="en-US" sz="1400" dirty="0">
                 <a:latin typeface="+mn-ea"/>
               </a:rPr>
               <a:t> 소스에 차이가 있습니다</a:t>
             </a:r>
             <a:r>
-              <a:rPr lang="en-US" altLang="ko-KR" sz="1400" dirty="0" smtClean="0">
+              <a:rPr lang="en-US" altLang="ko-KR" sz="1400" dirty="0">
                 <a:latin typeface="+mn-ea"/>
               </a:rPr>
               <a:t>.</a:t>
@@ -8324,13 +8353,6 @@
   <p:clrMapOvr>
     <a:masterClrMapping/>
   </p:clrMapOvr>
-  <p:timing>
-    <p:tnLst>
-      <p:par>
-        <p:cTn id="1" dur="indefinite" restart="never" nodeType="tmRoot"/>
-      </p:par>
-    </p:tnLst>
-  </p:timing>
 </p:sld>
 </file>
 
